--- a/architool/Using-coArchi.pptx
+++ b/architool/Using-coArchi.pptx
@@ -5,15 +5,20 @@
     <p:sldMasterId id="2147483648" r:id="rId4"/>
   </p:sldMasterIdLst>
   <p:notesMasterIdLst>
-    <p:notesMasterId r:id="rId8"/>
+    <p:notesMasterId r:id="rId13"/>
   </p:notesMasterIdLst>
   <p:handoutMasterIdLst>
-    <p:handoutMasterId r:id="rId9"/>
+    <p:handoutMasterId r:id="rId14"/>
   </p:handoutMasterIdLst>
   <p:sldIdLst>
     <p:sldId id="256" r:id="rId5"/>
     <p:sldId id="257" r:id="rId6"/>
-    <p:sldId id="258" r:id="rId7"/>
+    <p:sldId id="263" r:id="rId7"/>
+    <p:sldId id="258" r:id="rId8"/>
+    <p:sldId id="262" r:id="rId9"/>
+    <p:sldId id="259" r:id="rId10"/>
+    <p:sldId id="260" r:id="rId11"/>
+    <p:sldId id="261" r:id="rId12"/>
   </p:sldIdLst>
   <p:sldSz cx="12192000" cy="6858000"/>
   <p:notesSz cx="6858000" cy="9144000"/>
@@ -6396,7 +6401,9 @@
         </p:nvSpPr>
         <p:spPr/>
         <p:txBody>
-          <a:bodyPr/>
+          <a:bodyPr>
+            <a:normAutofit lnSpcReduction="10000"/>
+          </a:bodyPr>
           <a:lstStyle/>
           <a:p>
             <a:r>
@@ -6413,7 +6420,44 @@
           <a:p>
             <a:r>
               <a:rPr lang="en-US" dirty="0"/>
-              <a:t>How to reflect the different phases/states along with the architecture change in project?? </a:t>
+              <a:t>What is the good way to manage a global repository on ARCHI with projects? </a:t>
+            </a:r>
+            <a:br>
+              <a:rPr lang="en-US" dirty="0"/>
+            </a:br>
+            <a:r>
+              <a:rPr lang="en-US" dirty="0"/>
+              <a:t>Should I create A git repo for the global repo and uses branches for projects or create also a repo by projects </a:t>
+            </a:r>
+            <a:r>
+              <a:rPr lang="en-US" sz="1400" i="1" dirty="0"/>
+              <a:t>(thanks the question from </a:t>
+            </a:r>
+            <a:r>
+              <a:rPr lang="en-US" sz="1400" i="1" dirty="0" err="1"/>
+              <a:t>Mohcine</a:t>
+            </a:r>
+            <a:r>
+              <a:rPr lang="en-US" sz="1400" i="1" dirty="0"/>
+              <a:t> </a:t>
+            </a:r>
+            <a:r>
+              <a:rPr lang="en-US" sz="1400" i="1" dirty="0" err="1"/>
+              <a:t>Aterhzaz</a:t>
+            </a:r>
+            <a:r>
+              <a:rPr lang="en-US" sz="1400" i="1" dirty="0"/>
+              <a:t>)</a:t>
+            </a:r>
+          </a:p>
+          <a:p>
+            <a:r>
+              <a:rPr lang="en-US" dirty="0"/>
+              <a:t>How to reflect the different phases/states along with the architecture change in project?</a:t>
+            </a:r>
+            <a:r>
+              <a:rPr lang="en-US" sz="1400" dirty="0"/>
+              <a:t> </a:t>
             </a:r>
             <a:r>
               <a:rPr lang="en-US" sz="1400" i="1" dirty="0"/>
@@ -6424,33 +6468,6 @@
                 <a:hlinkClick r:id="rId2"/>
               </a:rPr>
               <a:t>https://forum.archimatetool.com/index.php?topic=1153.msg7037#msg7037</a:t>
-            </a:r>
-            <a:r>
-              <a:rPr lang="en-US" sz="1400" i="1" dirty="0"/>
-              <a:t>)</a:t>
-            </a:r>
-            <a:endParaRPr lang="en-US" i="1" dirty="0"/>
-          </a:p>
-          <a:p>
-            <a:r>
-              <a:rPr lang="en-US" dirty="0"/>
-              <a:t>What is the good way to manage a global repository on ARCHI with projects? Should I create A git repo for the global repo and uses branches for projects or create also a repo by projects </a:t>
-            </a:r>
-            <a:r>
-              <a:rPr lang="en-US" sz="1400" i="1" dirty="0"/>
-              <a:t>(thanks question from </a:t>
-            </a:r>
-            <a:r>
-              <a:rPr lang="en-US" sz="1400" i="1" dirty="0" err="1"/>
-              <a:t>Mohcine</a:t>
-            </a:r>
-            <a:r>
-              <a:rPr lang="en-US" sz="1400" i="1" dirty="0"/>
-              <a:t> </a:t>
-            </a:r>
-            <a:r>
-              <a:rPr lang="en-US" sz="1400" i="1" dirty="0" err="1"/>
-              <a:t>Aterhzaz</a:t>
             </a:r>
             <a:r>
               <a:rPr lang="en-US" sz="1400" i="1" dirty="0"/>
@@ -6631,8 +6648,8 @@
         </p:nvGrpSpPr>
         <p:grpSpPr>
           <a:xfrm>
-            <a:off x="4309967" y="6153429"/>
-            <a:ext cx="2807208" cy="588020"/>
+            <a:off x="3980329" y="6153429"/>
+            <a:ext cx="3136846" cy="588020"/>
             <a:chOff x="9034272" y="6189470"/>
             <a:chExt cx="2807208" cy="588020"/>
           </a:xfrm>
@@ -6803,7 +6820,7 @@
           <p:cNvPr id="2" name="Title 1">
             <a:extLst>
               <a:ext uri="{FF2B5EF4-FFF2-40B4-BE49-F238E27FC236}">
-                <a16:creationId xmlns:a16="http://schemas.microsoft.com/office/drawing/2014/main" id="{1CEC376B-AF95-23BA-1CD1-87A3B65D5AA1}"/>
+                <a16:creationId xmlns:a16="http://schemas.microsoft.com/office/drawing/2014/main" id="{58BA1275-AFB9-2AD3-FC08-D73EA6CD2196}"/>
               </a:ext>
             </a:extLst>
           </p:cNvPr>
@@ -6817,108 +6834,68 @@
         <p:spPr/>
         <p:txBody>
           <a:bodyPr>
-            <a:noAutofit/>
+            <a:normAutofit fontScale="90000"/>
           </a:bodyPr>
           <a:lstStyle/>
           <a:p>
             <a:r>
-              <a:rPr lang="en-US" sz="3600" dirty="0"/>
-              <a:t>coArchi – Model Collaboration for Archi</a:t>
-            </a:r>
-          </a:p>
-        </p:txBody>
-      </p:sp>
-      <p:sp>
-        <p:nvSpPr>
-          <p:cNvPr id="3" name="Content Placeholder 2">
-            <a:extLst>
-              <a:ext uri="{FF2B5EF4-FFF2-40B4-BE49-F238E27FC236}">
-                <a16:creationId xmlns:a16="http://schemas.microsoft.com/office/drawing/2014/main" id="{FC02ABEF-F848-FCC2-5FB8-F2BEBD92B320}"/>
-              </a:ext>
-            </a:extLst>
-          </p:cNvPr>
-          <p:cNvSpPr>
-            <a:spLocks noGrp="1"/>
-          </p:cNvSpPr>
+              <a:rPr lang="en-US" dirty="0"/>
+              <a:t>More Reflections – Performance</a:t>
+            </a:r>
+          </a:p>
+        </p:txBody>
+      </p:sp>
+      <p:pic>
+        <p:nvPicPr>
+          <p:cNvPr id="8" name="Content Placeholder 7">
+            <a:extLst>
+              <a:ext uri="{FF2B5EF4-FFF2-40B4-BE49-F238E27FC236}">
+                <a16:creationId xmlns:a16="http://schemas.microsoft.com/office/drawing/2014/main" id="{EC587B67-99FF-9303-6346-3E4D88B8DFF1}"/>
+              </a:ext>
+            </a:extLst>
+          </p:cNvPr>
+          <p:cNvPicPr>
+            <a:picLocks noGrp="1" noChangeAspect="1"/>
+          </p:cNvPicPr>
           <p:nvPr>
             <p:ph sz="quarter" idx="14"/>
           </p:nvPr>
-        </p:nvSpPr>
-        <p:spPr>
-          <a:xfrm>
-            <a:off x="931863" y="1695450"/>
-            <a:ext cx="10328275" cy="1641311"/>
-          </a:xfrm>
-        </p:spPr>
+        </p:nvPicPr>
+        <p:blipFill>
+          <a:blip r:embed="rId2"/>
+          <a:stretch>
+            <a:fillRect/>
+          </a:stretch>
+        </p:blipFill>
+        <p:spPr>
+          <a:xfrm>
+            <a:off x="1150070" y="1295923"/>
+            <a:ext cx="9539926" cy="4931937"/>
+          </a:xfrm>
+        </p:spPr>
+      </p:pic>
+      <p:sp>
+        <p:nvSpPr>
+          <p:cNvPr id="4" name="Footer Placeholder 3">
+            <a:extLst>
+              <a:ext uri="{FF2B5EF4-FFF2-40B4-BE49-F238E27FC236}">
+                <a16:creationId xmlns:a16="http://schemas.microsoft.com/office/drawing/2014/main" id="{7F06ECBA-82F9-F79A-C12B-0AA86F7287CF}"/>
+              </a:ext>
+            </a:extLst>
+          </p:cNvPr>
+          <p:cNvSpPr>
+            <a:spLocks noGrp="1"/>
+          </p:cNvSpPr>
+          <p:nvPr>
+            <p:ph type="ftr" sz="quarter" idx="11"/>
+          </p:nvPr>
+        </p:nvSpPr>
+        <p:spPr/>
         <p:txBody>
           <a:bodyPr/>
           <a:lstStyle/>
           <a:p>
             <a:r>
-              <a:rPr lang="en-US" dirty="0"/>
-              <a:t>Get coArchi from </a:t>
-            </a:r>
-            <a:r>
-              <a:rPr lang="en-US" dirty="0">
-                <a:hlinkClick r:id="rId2"/>
-              </a:rPr>
-              <a:t>https://www.archimatetool.com/plugins/</a:t>
-            </a:r>
-            <a:endParaRPr lang="en-US" dirty="0"/>
-          </a:p>
-          <a:p>
-            <a:r>
-              <a:rPr lang="en-US" dirty="0"/>
-              <a:t>GitHub project: </a:t>
-            </a:r>
-            <a:r>
-              <a:rPr lang="en-US" sz="2000" dirty="0">
-                <a:hlinkClick r:id="rId3"/>
-              </a:rPr>
-              <a:t>https://github.com/archimatetool/archi-modelrepository-plugin</a:t>
-            </a:r>
-            <a:endParaRPr lang="en-US" dirty="0"/>
-          </a:p>
-          <a:p>
-            <a:r>
-              <a:rPr lang="en-US" dirty="0"/>
-              <a:t>Wiki page: </a:t>
-            </a:r>
-            <a:r>
-              <a:rPr lang="en-US" sz="2000" dirty="0">
-                <a:hlinkClick r:id="rId4"/>
-              </a:rPr>
-              <a:t>https://github.com/archimatetool/archi-modelrepository-plugin/wiki</a:t>
-            </a:r>
-            <a:endParaRPr lang="en-US" dirty="0"/>
-          </a:p>
-          <a:p>
-            <a:endParaRPr lang="en-US" dirty="0"/>
-          </a:p>
-        </p:txBody>
-      </p:sp>
-      <p:sp>
-        <p:nvSpPr>
-          <p:cNvPr id="4" name="Footer Placeholder 3">
-            <a:extLst>
-              <a:ext uri="{FF2B5EF4-FFF2-40B4-BE49-F238E27FC236}">
-                <a16:creationId xmlns:a16="http://schemas.microsoft.com/office/drawing/2014/main" id="{F1DB55C9-4170-1CA3-B0EC-9D798C11486B}"/>
-              </a:ext>
-            </a:extLst>
-          </p:cNvPr>
-          <p:cNvSpPr>
-            <a:spLocks noGrp="1"/>
-          </p:cNvSpPr>
-          <p:nvPr>
-            <p:ph type="ftr" sz="quarter" idx="11"/>
-          </p:nvPr>
-        </p:nvSpPr>
-        <p:spPr/>
-        <p:txBody>
-          <a:bodyPr/>
-          <a:lstStyle/>
-          <a:p>
-            <a:r>
               <a:rPr lang="en-US"/>
               <a:t>Practice of Using Archi plug-in - coArchi</a:t>
             </a:r>
@@ -6931,7 +6908,7 @@
           <p:cNvPr id="5" name="Date Placeholder 4">
             <a:extLst>
               <a:ext uri="{FF2B5EF4-FFF2-40B4-BE49-F238E27FC236}">
-                <a16:creationId xmlns:a16="http://schemas.microsoft.com/office/drawing/2014/main" id="{FB2805F1-7351-3079-2B47-C67AECCCCEB7}"/>
+                <a16:creationId xmlns:a16="http://schemas.microsoft.com/office/drawing/2014/main" id="{D55D0A54-D4E8-4270-E52E-8186B08FC403}"/>
               </a:ext>
             </a:extLst>
           </p:cNvPr>
@@ -6971,7 +6948,7 @@
           <p:cNvPr id="6" name="Slide Number Placeholder 5">
             <a:extLst>
               <a:ext uri="{FF2B5EF4-FFF2-40B4-BE49-F238E27FC236}">
-                <a16:creationId xmlns:a16="http://schemas.microsoft.com/office/drawing/2014/main" id="{D8F980BB-B304-8A31-25B3-FE5F6AC6C109}"/>
+                <a16:creationId xmlns:a16="http://schemas.microsoft.com/office/drawing/2014/main" id="{9FACA1FA-ADDB-D2BD-B405-BA4520B9AAFB}"/>
               </a:ext>
             </a:extLst>
           </p:cNvPr>
@@ -7037,6 +7014,293 @@
                 <a:defRPr/>
               </a:pPr>
               <a:t>3</a:t>
+            </a:fld>
+            <a:endParaRPr kumimoji="0" lang="en-US" sz="1050" b="0" i="0" u="none" strike="noStrike" kern="1200" cap="none" spc="0" normalizeH="0" baseline="0" noProof="0" dirty="0">
+              <a:ln>
+                <a:noFill/>
+              </a:ln>
+              <a:solidFill>
+                <a:prstClr val="black"/>
+              </a:solidFill>
+              <a:effectLst/>
+              <a:uLnTx/>
+              <a:uFillTx/>
+              <a:latin typeface="Avenir Next LT Pro"/>
+              <a:ea typeface="+mn-ea"/>
+              <a:cs typeface="+mn-cs"/>
+            </a:endParaRPr>
+          </a:p>
+        </p:txBody>
+      </p:sp>
+    </p:spTree>
+    <p:extLst>
+      <p:ext uri="{BB962C8B-B14F-4D97-AF65-F5344CB8AC3E}">
+        <p14:creationId xmlns:p14="http://schemas.microsoft.com/office/powerpoint/2010/main" val="183745645"/>
+      </p:ext>
+    </p:extLst>
+  </p:cSld>
+  <p:clrMapOvr>
+    <a:masterClrMapping/>
+  </p:clrMapOvr>
+</p:sld>
+</file>
+
+<file path=ppt/slides/slide4.xml><?xml version="1.0" encoding="utf-8"?>
+<p:sld xmlns:a="http://schemas.openxmlformats.org/drawingml/2006/main" xmlns:r="http://schemas.openxmlformats.org/officeDocument/2006/relationships" xmlns:p="http://schemas.openxmlformats.org/presentationml/2006/main">
+  <p:cSld>
+    <p:spTree>
+      <p:nvGrpSpPr>
+        <p:cNvPr id="1" name=""/>
+        <p:cNvGrpSpPr/>
+        <p:nvPr/>
+      </p:nvGrpSpPr>
+      <p:grpSpPr>
+        <a:xfrm>
+          <a:off x="0" y="0"/>
+          <a:ext cx="0" cy="0"/>
+          <a:chOff x="0" y="0"/>
+          <a:chExt cx="0" cy="0"/>
+        </a:xfrm>
+      </p:grpSpPr>
+      <p:sp>
+        <p:nvSpPr>
+          <p:cNvPr id="2" name="Title 1">
+            <a:extLst>
+              <a:ext uri="{FF2B5EF4-FFF2-40B4-BE49-F238E27FC236}">
+                <a16:creationId xmlns:a16="http://schemas.microsoft.com/office/drawing/2014/main" id="{1CEC376B-AF95-23BA-1CD1-87A3B65D5AA1}"/>
+              </a:ext>
+            </a:extLst>
+          </p:cNvPr>
+          <p:cNvSpPr>
+            <a:spLocks noGrp="1"/>
+          </p:cNvSpPr>
+          <p:nvPr>
+            <p:ph type="title"/>
+          </p:nvPr>
+        </p:nvSpPr>
+        <p:spPr/>
+        <p:txBody>
+          <a:bodyPr>
+            <a:noAutofit/>
+          </a:bodyPr>
+          <a:lstStyle/>
+          <a:p>
+            <a:r>
+              <a:rPr lang="en-US" sz="3600" dirty="0"/>
+              <a:t>coArchi – Model Collaboration for Archi</a:t>
+            </a:r>
+          </a:p>
+        </p:txBody>
+      </p:sp>
+      <p:sp>
+        <p:nvSpPr>
+          <p:cNvPr id="3" name="Content Placeholder 2">
+            <a:extLst>
+              <a:ext uri="{FF2B5EF4-FFF2-40B4-BE49-F238E27FC236}">
+                <a16:creationId xmlns:a16="http://schemas.microsoft.com/office/drawing/2014/main" id="{FC02ABEF-F848-FCC2-5FB8-F2BEBD92B320}"/>
+              </a:ext>
+            </a:extLst>
+          </p:cNvPr>
+          <p:cNvSpPr>
+            <a:spLocks noGrp="1"/>
+          </p:cNvSpPr>
+          <p:nvPr>
+            <p:ph sz="quarter" idx="14"/>
+          </p:nvPr>
+        </p:nvSpPr>
+        <p:spPr>
+          <a:xfrm>
+            <a:off x="931863" y="1695450"/>
+            <a:ext cx="10328275" cy="1641311"/>
+          </a:xfrm>
+        </p:spPr>
+        <p:txBody>
+          <a:bodyPr/>
+          <a:lstStyle/>
+          <a:p>
+            <a:r>
+              <a:rPr lang="en-US" dirty="0"/>
+              <a:t>Get coArchi from </a:t>
+            </a:r>
+            <a:r>
+              <a:rPr lang="en-US" dirty="0">
+                <a:hlinkClick r:id="rId2"/>
+              </a:rPr>
+              <a:t>https://www.archimatetool.com/plugins/</a:t>
+            </a:r>
+            <a:endParaRPr lang="en-US" dirty="0"/>
+          </a:p>
+          <a:p>
+            <a:r>
+              <a:rPr lang="en-US" dirty="0"/>
+              <a:t>GitHub project: </a:t>
+            </a:r>
+            <a:r>
+              <a:rPr lang="en-US" sz="2000" dirty="0">
+                <a:hlinkClick r:id="rId3"/>
+              </a:rPr>
+              <a:t>https://github.com/archimatetool/archi-modelrepository-plugin</a:t>
+            </a:r>
+            <a:endParaRPr lang="en-US" dirty="0"/>
+          </a:p>
+          <a:p>
+            <a:r>
+              <a:rPr lang="en-US" dirty="0"/>
+              <a:t>Wiki page: </a:t>
+            </a:r>
+            <a:r>
+              <a:rPr lang="en-US" sz="2000" dirty="0">
+                <a:hlinkClick r:id="rId4"/>
+              </a:rPr>
+              <a:t>https://github.com/archimatetool/archi-modelrepository-plugin/wiki</a:t>
+            </a:r>
+            <a:endParaRPr lang="en-US" dirty="0"/>
+          </a:p>
+          <a:p>
+            <a:endParaRPr lang="en-US" dirty="0"/>
+          </a:p>
+        </p:txBody>
+      </p:sp>
+      <p:sp>
+        <p:nvSpPr>
+          <p:cNvPr id="4" name="Footer Placeholder 3">
+            <a:extLst>
+              <a:ext uri="{FF2B5EF4-FFF2-40B4-BE49-F238E27FC236}">
+                <a16:creationId xmlns:a16="http://schemas.microsoft.com/office/drawing/2014/main" id="{F1DB55C9-4170-1CA3-B0EC-9D798C11486B}"/>
+              </a:ext>
+            </a:extLst>
+          </p:cNvPr>
+          <p:cNvSpPr>
+            <a:spLocks noGrp="1"/>
+          </p:cNvSpPr>
+          <p:nvPr>
+            <p:ph type="ftr" sz="quarter" idx="11"/>
+          </p:nvPr>
+        </p:nvSpPr>
+        <p:spPr/>
+        <p:txBody>
+          <a:bodyPr/>
+          <a:lstStyle/>
+          <a:p>
+            <a:r>
+              <a:rPr lang="en-US"/>
+              <a:t>Practice of Using Archi plug-in - coArchi</a:t>
+            </a:r>
+            <a:endParaRPr lang="en-US" dirty="0"/>
+          </a:p>
+        </p:txBody>
+      </p:sp>
+      <p:sp>
+        <p:nvSpPr>
+          <p:cNvPr id="5" name="Date Placeholder 4">
+            <a:extLst>
+              <a:ext uri="{FF2B5EF4-FFF2-40B4-BE49-F238E27FC236}">
+                <a16:creationId xmlns:a16="http://schemas.microsoft.com/office/drawing/2014/main" id="{FB2805F1-7351-3079-2B47-C67AECCCCEB7}"/>
+              </a:ext>
+            </a:extLst>
+          </p:cNvPr>
+          <p:cNvSpPr>
+            <a:spLocks noGrp="1"/>
+          </p:cNvSpPr>
+          <p:nvPr>
+            <p:ph type="dt" sz="half" idx="10"/>
+          </p:nvPr>
+        </p:nvSpPr>
+        <p:spPr/>
+        <p:txBody>
+          <a:bodyPr/>
+          <a:lstStyle/>
+          <a:p>
+            <a:pPr>
+              <a:defRPr/>
+            </a:pPr>
+            <a:r>
+              <a:rPr lang="en-US">
+                <a:solidFill>
+                  <a:prstClr val="black"/>
+                </a:solidFill>
+              </a:rPr>
+              <a:t>Feb., 2024</a:t>
+            </a:r>
+            <a:endParaRPr lang="en-US" dirty="0">
+              <a:solidFill>
+                <a:prstClr val="black"/>
+              </a:solidFill>
+            </a:endParaRPr>
+          </a:p>
+        </p:txBody>
+      </p:sp>
+      <p:sp>
+        <p:nvSpPr>
+          <p:cNvPr id="6" name="Slide Number Placeholder 5">
+            <a:extLst>
+              <a:ext uri="{FF2B5EF4-FFF2-40B4-BE49-F238E27FC236}">
+                <a16:creationId xmlns:a16="http://schemas.microsoft.com/office/drawing/2014/main" id="{D8F980BB-B304-8A31-25B3-FE5F6AC6C109}"/>
+              </a:ext>
+            </a:extLst>
+          </p:cNvPr>
+          <p:cNvSpPr>
+            <a:spLocks noGrp="1"/>
+          </p:cNvSpPr>
+          <p:nvPr>
+            <p:ph type="sldNum" sz="quarter" idx="12"/>
+          </p:nvPr>
+        </p:nvSpPr>
+        <p:spPr/>
+        <p:txBody>
+          <a:bodyPr/>
+          <a:lstStyle/>
+          <a:p>
+            <a:pPr marL="0" marR="0" lvl="0" indent="0" algn="r" defTabSz="914400" rtl="0" eaLnBrk="1" fontAlgn="auto" latinLnBrk="0" hangingPunct="1">
+              <a:lnSpc>
+                <a:spcPct val="100000"/>
+              </a:lnSpc>
+              <a:spcBef>
+                <a:spcPts val="0"/>
+              </a:spcBef>
+              <a:spcAft>
+                <a:spcPts val="0"/>
+              </a:spcAft>
+              <a:buClrTx/>
+              <a:buSzTx/>
+              <a:buFontTx/>
+              <a:buNone/>
+              <a:tabLst/>
+              <a:defRPr/>
+            </a:pPr>
+            <a:fld id="{06B786C7-B8F9-4072-AAAA-17258464D730}" type="slidenum">
+              <a:rPr kumimoji="0" lang="en-US" sz="1050" b="0" i="0" u="none" strike="noStrike" kern="1200" cap="none" spc="0" normalizeH="0" baseline="0" noProof="0" smtClean="0">
+                <a:ln>
+                  <a:noFill/>
+                </a:ln>
+                <a:solidFill>
+                  <a:prstClr val="black"/>
+                </a:solidFill>
+                <a:effectLst/>
+                <a:uLnTx/>
+                <a:uFillTx/>
+                <a:latin typeface="Avenir Next LT Pro"/>
+                <a:ea typeface="+mn-ea"/>
+                <a:cs typeface="+mn-cs"/>
+              </a:rPr>
+              <a:pPr marL="0" marR="0" lvl="0" indent="0" algn="r" defTabSz="914400" rtl="0" eaLnBrk="1" fontAlgn="auto" latinLnBrk="0" hangingPunct="1">
+                <a:lnSpc>
+                  <a:spcPct val="100000"/>
+                </a:lnSpc>
+                <a:spcBef>
+                  <a:spcPts val="0"/>
+                </a:spcBef>
+                <a:spcAft>
+                  <a:spcPts val="0"/>
+                </a:spcAft>
+                <a:buClrTx/>
+                <a:buSzTx/>
+                <a:buFontTx/>
+                <a:buNone/>
+                <a:tabLst/>
+                <a:defRPr/>
+              </a:pPr>
+              <a:t>4</a:t>
             </a:fld>
             <a:endParaRPr kumimoji="0" lang="en-US" sz="1050" b="0" i="0" u="none" strike="noStrike" kern="1200" cap="none" spc="0" normalizeH="0" baseline="0" noProof="0" dirty="0">
               <a:ln>
@@ -7332,10 +7596,1433 @@
           </a:p>
         </p:txBody>
       </p:sp>
+      <p:pic>
+        <p:nvPicPr>
+          <p:cNvPr id="12" name="Picture 11">
+            <a:extLst>
+              <a:ext uri="{FF2B5EF4-FFF2-40B4-BE49-F238E27FC236}">
+                <a16:creationId xmlns:a16="http://schemas.microsoft.com/office/drawing/2014/main" id="{AE382006-2BFC-0671-5DA2-4E2616B8BD47}"/>
+              </a:ext>
+            </a:extLst>
+          </p:cNvPr>
+          <p:cNvPicPr>
+            <a:picLocks noChangeAspect="1"/>
+          </p:cNvPicPr>
+          <p:nvPr/>
+        </p:nvPicPr>
+        <p:blipFill>
+          <a:blip r:embed="rId6"/>
+          <a:stretch>
+            <a:fillRect/>
+          </a:stretch>
+        </p:blipFill>
+        <p:spPr>
+          <a:xfrm>
+            <a:off x="8491871" y="6405350"/>
+            <a:ext cx="1798034" cy="374428"/>
+          </a:xfrm>
+          <a:prstGeom prst="rect">
+            <a:avLst/>
+          </a:prstGeom>
+        </p:spPr>
+      </p:pic>
     </p:spTree>
     <p:extLst>
       <p:ext uri="{BB962C8B-B14F-4D97-AF65-F5344CB8AC3E}">
         <p14:creationId xmlns:p14="http://schemas.microsoft.com/office/powerpoint/2010/main" val="3163623751"/>
+      </p:ext>
+    </p:extLst>
+  </p:cSld>
+  <p:clrMapOvr>
+    <a:masterClrMapping/>
+  </p:clrMapOvr>
+</p:sld>
+</file>
+
+<file path=ppt/slides/slide5.xml><?xml version="1.0" encoding="utf-8"?>
+<p:sld xmlns:a="http://schemas.openxmlformats.org/drawingml/2006/main" xmlns:r="http://schemas.openxmlformats.org/officeDocument/2006/relationships" xmlns:p="http://schemas.openxmlformats.org/presentationml/2006/main">
+  <p:cSld>
+    <p:spTree>
+      <p:nvGrpSpPr>
+        <p:cNvPr id="1" name=""/>
+        <p:cNvGrpSpPr/>
+        <p:nvPr/>
+      </p:nvGrpSpPr>
+      <p:grpSpPr>
+        <a:xfrm>
+          <a:off x="0" y="0"/>
+          <a:ext cx="0" cy="0"/>
+          <a:chOff x="0" y="0"/>
+          <a:chExt cx="0" cy="0"/>
+        </a:xfrm>
+      </p:grpSpPr>
+      <p:sp>
+        <p:nvSpPr>
+          <p:cNvPr id="2" name="Title 1">
+            <a:extLst>
+              <a:ext uri="{FF2B5EF4-FFF2-40B4-BE49-F238E27FC236}">
+                <a16:creationId xmlns:a16="http://schemas.microsoft.com/office/drawing/2014/main" id="{A541B6E5-8C81-CBDB-C51C-6331AAB1634B}"/>
+              </a:ext>
+            </a:extLst>
+          </p:cNvPr>
+          <p:cNvSpPr>
+            <a:spLocks noGrp="1"/>
+          </p:cNvSpPr>
+          <p:nvPr>
+            <p:ph type="title"/>
+          </p:nvPr>
+        </p:nvSpPr>
+        <p:spPr/>
+        <p:txBody>
+          <a:bodyPr>
+            <a:normAutofit fontScale="90000"/>
+          </a:bodyPr>
+          <a:lstStyle/>
+          <a:p>
+            <a:r>
+              <a:rPr lang="en-US" dirty="0"/>
+              <a:t>Connect coArchi to Remote Repo</a:t>
+            </a:r>
+          </a:p>
+        </p:txBody>
+      </p:sp>
+      <p:sp>
+        <p:nvSpPr>
+          <p:cNvPr id="3" name="Content Placeholder 2">
+            <a:extLst>
+              <a:ext uri="{FF2B5EF4-FFF2-40B4-BE49-F238E27FC236}">
+                <a16:creationId xmlns:a16="http://schemas.microsoft.com/office/drawing/2014/main" id="{E4B9E5E1-DE75-4D06-9A54-A8ADE0B6989C}"/>
+              </a:ext>
+            </a:extLst>
+          </p:cNvPr>
+          <p:cNvSpPr>
+            <a:spLocks noGrp="1"/>
+          </p:cNvSpPr>
+          <p:nvPr>
+            <p:ph sz="quarter" idx="14"/>
+          </p:nvPr>
+        </p:nvSpPr>
+        <p:spPr/>
+        <p:txBody>
+          <a:bodyPr/>
+          <a:lstStyle/>
+          <a:p>
+            <a:r>
+              <a:rPr lang="en-US" dirty="0"/>
+              <a:t>GitHub</a:t>
+            </a:r>
+          </a:p>
+          <a:p>
+            <a:endParaRPr lang="en-US" dirty="0"/>
+          </a:p>
+          <a:p>
+            <a:r>
+              <a:rPr lang="en-US" dirty="0"/>
+              <a:t>Azure DevOps</a:t>
+            </a:r>
+          </a:p>
+          <a:p>
+            <a:endParaRPr lang="en-US" dirty="0"/>
+          </a:p>
+          <a:p>
+            <a:r>
+              <a:rPr lang="en-US" dirty="0"/>
+              <a:t>Gitblit local server</a:t>
+            </a:r>
+          </a:p>
+        </p:txBody>
+      </p:sp>
+      <p:sp>
+        <p:nvSpPr>
+          <p:cNvPr id="4" name="Footer Placeholder 3">
+            <a:extLst>
+              <a:ext uri="{FF2B5EF4-FFF2-40B4-BE49-F238E27FC236}">
+                <a16:creationId xmlns:a16="http://schemas.microsoft.com/office/drawing/2014/main" id="{87104C49-755D-169D-F989-44D376385087}"/>
+              </a:ext>
+            </a:extLst>
+          </p:cNvPr>
+          <p:cNvSpPr>
+            <a:spLocks noGrp="1"/>
+          </p:cNvSpPr>
+          <p:nvPr>
+            <p:ph type="ftr" sz="quarter" idx="11"/>
+          </p:nvPr>
+        </p:nvSpPr>
+        <p:spPr/>
+        <p:txBody>
+          <a:bodyPr/>
+          <a:lstStyle/>
+          <a:p>
+            <a:r>
+              <a:rPr lang="en-US"/>
+              <a:t>Practice of Using Archi plug-in - coArchi</a:t>
+            </a:r>
+            <a:endParaRPr lang="en-US" dirty="0"/>
+          </a:p>
+        </p:txBody>
+      </p:sp>
+      <p:sp>
+        <p:nvSpPr>
+          <p:cNvPr id="5" name="Date Placeholder 4">
+            <a:extLst>
+              <a:ext uri="{FF2B5EF4-FFF2-40B4-BE49-F238E27FC236}">
+                <a16:creationId xmlns:a16="http://schemas.microsoft.com/office/drawing/2014/main" id="{167B8FAC-3FC9-2460-E6D9-324E76E715A4}"/>
+              </a:ext>
+            </a:extLst>
+          </p:cNvPr>
+          <p:cNvSpPr>
+            <a:spLocks noGrp="1"/>
+          </p:cNvSpPr>
+          <p:nvPr>
+            <p:ph type="dt" sz="half" idx="10"/>
+          </p:nvPr>
+        </p:nvSpPr>
+        <p:spPr/>
+        <p:txBody>
+          <a:bodyPr/>
+          <a:lstStyle/>
+          <a:p>
+            <a:pPr>
+              <a:defRPr/>
+            </a:pPr>
+            <a:r>
+              <a:rPr lang="en-US">
+                <a:solidFill>
+                  <a:prstClr val="black"/>
+                </a:solidFill>
+              </a:rPr>
+              <a:t>Feb., 2024</a:t>
+            </a:r>
+            <a:endParaRPr lang="en-US" dirty="0">
+              <a:solidFill>
+                <a:prstClr val="black"/>
+              </a:solidFill>
+            </a:endParaRPr>
+          </a:p>
+        </p:txBody>
+      </p:sp>
+      <p:sp>
+        <p:nvSpPr>
+          <p:cNvPr id="6" name="Slide Number Placeholder 5">
+            <a:extLst>
+              <a:ext uri="{FF2B5EF4-FFF2-40B4-BE49-F238E27FC236}">
+                <a16:creationId xmlns:a16="http://schemas.microsoft.com/office/drawing/2014/main" id="{663C0662-403F-8554-2D94-531A6FD4E339}"/>
+              </a:ext>
+            </a:extLst>
+          </p:cNvPr>
+          <p:cNvSpPr>
+            <a:spLocks noGrp="1"/>
+          </p:cNvSpPr>
+          <p:nvPr>
+            <p:ph type="sldNum" sz="quarter" idx="12"/>
+          </p:nvPr>
+        </p:nvSpPr>
+        <p:spPr/>
+        <p:txBody>
+          <a:bodyPr/>
+          <a:lstStyle/>
+          <a:p>
+            <a:pPr marL="0" marR="0" lvl="0" indent="0" algn="r" defTabSz="914400" rtl="0" eaLnBrk="1" fontAlgn="auto" latinLnBrk="0" hangingPunct="1">
+              <a:lnSpc>
+                <a:spcPct val="100000"/>
+              </a:lnSpc>
+              <a:spcBef>
+                <a:spcPts val="0"/>
+              </a:spcBef>
+              <a:spcAft>
+                <a:spcPts val="0"/>
+              </a:spcAft>
+              <a:buClrTx/>
+              <a:buSzTx/>
+              <a:buFontTx/>
+              <a:buNone/>
+              <a:tabLst/>
+              <a:defRPr/>
+            </a:pPr>
+            <a:fld id="{06B786C7-B8F9-4072-AAAA-17258464D730}" type="slidenum">
+              <a:rPr kumimoji="0" lang="en-US" sz="1050" b="0" i="0" u="none" strike="noStrike" kern="1200" cap="none" spc="0" normalizeH="0" baseline="0" noProof="0" smtClean="0">
+                <a:ln>
+                  <a:noFill/>
+                </a:ln>
+                <a:solidFill>
+                  <a:prstClr val="black"/>
+                </a:solidFill>
+                <a:effectLst/>
+                <a:uLnTx/>
+                <a:uFillTx/>
+                <a:latin typeface="Avenir Next LT Pro"/>
+                <a:ea typeface="+mn-ea"/>
+                <a:cs typeface="+mn-cs"/>
+              </a:rPr>
+              <a:pPr marL="0" marR="0" lvl="0" indent="0" algn="r" defTabSz="914400" rtl="0" eaLnBrk="1" fontAlgn="auto" latinLnBrk="0" hangingPunct="1">
+                <a:lnSpc>
+                  <a:spcPct val="100000"/>
+                </a:lnSpc>
+                <a:spcBef>
+                  <a:spcPts val="0"/>
+                </a:spcBef>
+                <a:spcAft>
+                  <a:spcPts val="0"/>
+                </a:spcAft>
+                <a:buClrTx/>
+                <a:buSzTx/>
+                <a:buFontTx/>
+                <a:buNone/>
+                <a:tabLst/>
+                <a:defRPr/>
+              </a:pPr>
+              <a:t>5</a:t>
+            </a:fld>
+            <a:endParaRPr kumimoji="0" lang="en-US" sz="1050" b="0" i="0" u="none" strike="noStrike" kern="1200" cap="none" spc="0" normalizeH="0" baseline="0" noProof="0" dirty="0">
+              <a:ln>
+                <a:noFill/>
+              </a:ln>
+              <a:solidFill>
+                <a:prstClr val="black"/>
+              </a:solidFill>
+              <a:effectLst/>
+              <a:uLnTx/>
+              <a:uFillTx/>
+              <a:latin typeface="Avenir Next LT Pro"/>
+              <a:ea typeface="+mn-ea"/>
+              <a:cs typeface="+mn-cs"/>
+            </a:endParaRPr>
+          </a:p>
+        </p:txBody>
+      </p:sp>
+    </p:spTree>
+    <p:extLst>
+      <p:ext uri="{BB962C8B-B14F-4D97-AF65-F5344CB8AC3E}">
+        <p14:creationId xmlns:p14="http://schemas.microsoft.com/office/powerpoint/2010/main" val="3825145434"/>
+      </p:ext>
+    </p:extLst>
+  </p:cSld>
+  <p:clrMapOvr>
+    <a:masterClrMapping/>
+  </p:clrMapOvr>
+</p:sld>
+</file>
+
+<file path=ppt/slides/slide6.xml><?xml version="1.0" encoding="utf-8"?>
+<p:sld xmlns:a="http://schemas.openxmlformats.org/drawingml/2006/main" xmlns:r="http://schemas.openxmlformats.org/officeDocument/2006/relationships" xmlns:p="http://schemas.openxmlformats.org/presentationml/2006/main">
+  <p:cSld>
+    <p:spTree>
+      <p:nvGrpSpPr>
+        <p:cNvPr id="1" name=""/>
+        <p:cNvGrpSpPr/>
+        <p:nvPr/>
+      </p:nvGrpSpPr>
+      <p:grpSpPr>
+        <a:xfrm>
+          <a:off x="0" y="0"/>
+          <a:ext cx="0" cy="0"/>
+          <a:chOff x="0" y="0"/>
+          <a:chExt cx="0" cy="0"/>
+        </a:xfrm>
+      </p:grpSpPr>
+      <p:pic>
+        <p:nvPicPr>
+          <p:cNvPr id="8" name="Content Placeholder 7">
+            <a:extLst>
+              <a:ext uri="{FF2B5EF4-FFF2-40B4-BE49-F238E27FC236}">
+                <a16:creationId xmlns:a16="http://schemas.microsoft.com/office/drawing/2014/main" id="{6371374C-311A-E544-2850-2BBE3D61AF1F}"/>
+              </a:ext>
+            </a:extLst>
+          </p:cNvPr>
+          <p:cNvPicPr>
+            <a:picLocks noGrp="1" noChangeAspect="1"/>
+          </p:cNvPicPr>
+          <p:nvPr>
+            <p:ph sz="quarter" idx="14"/>
+          </p:nvPr>
+        </p:nvPicPr>
+        <p:blipFill>
+          <a:blip r:embed="rId2"/>
+          <a:stretch>
+            <a:fillRect/>
+          </a:stretch>
+        </p:blipFill>
+        <p:spPr>
+          <a:xfrm>
+            <a:off x="582884" y="136525"/>
+            <a:ext cx="11026232" cy="6217285"/>
+          </a:xfrm>
+        </p:spPr>
+      </p:pic>
+      <p:sp>
+        <p:nvSpPr>
+          <p:cNvPr id="4" name="Footer Placeholder 3">
+            <a:extLst>
+              <a:ext uri="{FF2B5EF4-FFF2-40B4-BE49-F238E27FC236}">
+                <a16:creationId xmlns:a16="http://schemas.microsoft.com/office/drawing/2014/main" id="{C55E82FE-5B30-F945-A38B-2022F555B206}"/>
+              </a:ext>
+            </a:extLst>
+          </p:cNvPr>
+          <p:cNvSpPr>
+            <a:spLocks noGrp="1"/>
+          </p:cNvSpPr>
+          <p:nvPr>
+            <p:ph type="ftr" sz="quarter" idx="11"/>
+          </p:nvPr>
+        </p:nvSpPr>
+        <p:spPr/>
+        <p:txBody>
+          <a:bodyPr/>
+          <a:lstStyle/>
+          <a:p>
+            <a:r>
+              <a:rPr lang="en-US"/>
+              <a:t>Practice of Using Archi plug-in - coArchi</a:t>
+            </a:r>
+            <a:endParaRPr lang="en-US" dirty="0"/>
+          </a:p>
+        </p:txBody>
+      </p:sp>
+      <p:sp>
+        <p:nvSpPr>
+          <p:cNvPr id="5" name="Date Placeholder 4">
+            <a:extLst>
+              <a:ext uri="{FF2B5EF4-FFF2-40B4-BE49-F238E27FC236}">
+                <a16:creationId xmlns:a16="http://schemas.microsoft.com/office/drawing/2014/main" id="{75F14CAB-45B7-6E2D-E64C-E3B6F07C3C40}"/>
+              </a:ext>
+            </a:extLst>
+          </p:cNvPr>
+          <p:cNvSpPr>
+            <a:spLocks noGrp="1"/>
+          </p:cNvSpPr>
+          <p:nvPr>
+            <p:ph type="dt" sz="half" idx="10"/>
+          </p:nvPr>
+        </p:nvSpPr>
+        <p:spPr/>
+        <p:txBody>
+          <a:bodyPr/>
+          <a:lstStyle/>
+          <a:p>
+            <a:pPr>
+              <a:defRPr/>
+            </a:pPr>
+            <a:r>
+              <a:rPr lang="en-US">
+                <a:solidFill>
+                  <a:prstClr val="black"/>
+                </a:solidFill>
+              </a:rPr>
+              <a:t>Feb., 2024</a:t>
+            </a:r>
+            <a:endParaRPr lang="en-US" dirty="0">
+              <a:solidFill>
+                <a:prstClr val="black"/>
+              </a:solidFill>
+            </a:endParaRPr>
+          </a:p>
+        </p:txBody>
+      </p:sp>
+      <p:sp>
+        <p:nvSpPr>
+          <p:cNvPr id="6" name="Slide Number Placeholder 5">
+            <a:extLst>
+              <a:ext uri="{FF2B5EF4-FFF2-40B4-BE49-F238E27FC236}">
+                <a16:creationId xmlns:a16="http://schemas.microsoft.com/office/drawing/2014/main" id="{168A6086-7AE8-F981-CBB6-122F994854D0}"/>
+              </a:ext>
+            </a:extLst>
+          </p:cNvPr>
+          <p:cNvSpPr>
+            <a:spLocks noGrp="1"/>
+          </p:cNvSpPr>
+          <p:nvPr>
+            <p:ph type="sldNum" sz="quarter" idx="12"/>
+          </p:nvPr>
+        </p:nvSpPr>
+        <p:spPr/>
+        <p:txBody>
+          <a:bodyPr/>
+          <a:lstStyle/>
+          <a:p>
+            <a:pPr marL="0" marR="0" lvl="0" indent="0" algn="r" defTabSz="914400" rtl="0" eaLnBrk="1" fontAlgn="auto" latinLnBrk="0" hangingPunct="1">
+              <a:lnSpc>
+                <a:spcPct val="100000"/>
+              </a:lnSpc>
+              <a:spcBef>
+                <a:spcPts val="0"/>
+              </a:spcBef>
+              <a:spcAft>
+                <a:spcPts val="0"/>
+              </a:spcAft>
+              <a:buClrTx/>
+              <a:buSzTx/>
+              <a:buFontTx/>
+              <a:buNone/>
+              <a:tabLst/>
+              <a:defRPr/>
+            </a:pPr>
+            <a:fld id="{06B786C7-B8F9-4072-AAAA-17258464D730}" type="slidenum">
+              <a:rPr kumimoji="0" lang="en-US" sz="1050" b="0" i="0" u="none" strike="noStrike" kern="1200" cap="none" spc="0" normalizeH="0" baseline="0" noProof="0" smtClean="0">
+                <a:ln>
+                  <a:noFill/>
+                </a:ln>
+                <a:solidFill>
+                  <a:prstClr val="black"/>
+                </a:solidFill>
+                <a:effectLst/>
+                <a:uLnTx/>
+                <a:uFillTx/>
+                <a:latin typeface="Avenir Next LT Pro"/>
+                <a:ea typeface="+mn-ea"/>
+                <a:cs typeface="+mn-cs"/>
+              </a:rPr>
+              <a:pPr marL="0" marR="0" lvl="0" indent="0" algn="r" defTabSz="914400" rtl="0" eaLnBrk="1" fontAlgn="auto" latinLnBrk="0" hangingPunct="1">
+                <a:lnSpc>
+                  <a:spcPct val="100000"/>
+                </a:lnSpc>
+                <a:spcBef>
+                  <a:spcPts val="0"/>
+                </a:spcBef>
+                <a:spcAft>
+                  <a:spcPts val="0"/>
+                </a:spcAft>
+                <a:buClrTx/>
+                <a:buSzTx/>
+                <a:buFontTx/>
+                <a:buNone/>
+                <a:tabLst/>
+                <a:defRPr/>
+              </a:pPr>
+              <a:t>6</a:t>
+            </a:fld>
+            <a:endParaRPr kumimoji="0" lang="en-US" sz="1050" b="0" i="0" u="none" strike="noStrike" kern="1200" cap="none" spc="0" normalizeH="0" baseline="0" noProof="0" dirty="0">
+              <a:ln>
+                <a:noFill/>
+              </a:ln>
+              <a:solidFill>
+                <a:prstClr val="black"/>
+              </a:solidFill>
+              <a:effectLst/>
+              <a:uLnTx/>
+              <a:uFillTx/>
+              <a:latin typeface="Avenir Next LT Pro"/>
+              <a:ea typeface="+mn-ea"/>
+              <a:cs typeface="+mn-cs"/>
+            </a:endParaRPr>
+          </a:p>
+        </p:txBody>
+      </p:sp>
+      <p:sp>
+        <p:nvSpPr>
+          <p:cNvPr id="9" name="Rectangle: Rounded Corners 8">
+            <a:extLst>
+              <a:ext uri="{FF2B5EF4-FFF2-40B4-BE49-F238E27FC236}">
+                <a16:creationId xmlns:a16="http://schemas.microsoft.com/office/drawing/2014/main" id="{03D0516D-26B6-F7AD-C0CC-0EC3C51A4333}"/>
+              </a:ext>
+            </a:extLst>
+          </p:cNvPr>
+          <p:cNvSpPr/>
+          <p:nvPr/>
+        </p:nvSpPr>
+        <p:spPr>
+          <a:xfrm>
+            <a:off x="5967167" y="2734234"/>
+            <a:ext cx="1272619" cy="295837"/>
+          </a:xfrm>
+          <a:prstGeom prst="roundRect">
+            <a:avLst/>
+          </a:prstGeom>
+          <a:noFill/>
+          <a:ln w="28575"/>
+        </p:spPr>
+        <p:style>
+          <a:lnRef idx="1">
+            <a:schemeClr val="accent4"/>
+          </a:lnRef>
+          <a:fillRef idx="2">
+            <a:schemeClr val="accent4"/>
+          </a:fillRef>
+          <a:effectRef idx="1">
+            <a:schemeClr val="accent4"/>
+          </a:effectRef>
+          <a:fontRef idx="minor">
+            <a:schemeClr val="dk1"/>
+          </a:fontRef>
+        </p:style>
+        <p:txBody>
+          <a:bodyPr rtlCol="0" anchor="ctr"/>
+          <a:lstStyle/>
+          <a:p>
+            <a:pPr algn="ctr"/>
+            <a:endParaRPr lang="en-US"/>
+          </a:p>
+        </p:txBody>
+      </p:sp>
+      <p:sp>
+        <p:nvSpPr>
+          <p:cNvPr id="10" name="Rectangle: Rounded Corners 9">
+            <a:extLst>
+              <a:ext uri="{FF2B5EF4-FFF2-40B4-BE49-F238E27FC236}">
+                <a16:creationId xmlns:a16="http://schemas.microsoft.com/office/drawing/2014/main" id="{54A761FC-E87B-7D95-1825-BA68B890942A}"/>
+              </a:ext>
+            </a:extLst>
+          </p:cNvPr>
+          <p:cNvSpPr/>
+          <p:nvPr/>
+        </p:nvSpPr>
+        <p:spPr>
+          <a:xfrm>
+            <a:off x="2435073" y="4679575"/>
+            <a:ext cx="1787303" cy="295837"/>
+          </a:xfrm>
+          <a:prstGeom prst="roundRect">
+            <a:avLst/>
+          </a:prstGeom>
+          <a:noFill/>
+          <a:ln w="28575"/>
+        </p:spPr>
+        <p:style>
+          <a:lnRef idx="1">
+            <a:schemeClr val="accent4"/>
+          </a:lnRef>
+          <a:fillRef idx="2">
+            <a:schemeClr val="accent4"/>
+          </a:fillRef>
+          <a:effectRef idx="1">
+            <a:schemeClr val="accent4"/>
+          </a:effectRef>
+          <a:fontRef idx="minor">
+            <a:schemeClr val="dk1"/>
+          </a:fontRef>
+        </p:style>
+        <p:txBody>
+          <a:bodyPr rtlCol="0" anchor="ctr"/>
+          <a:lstStyle/>
+          <a:p>
+            <a:pPr algn="ctr"/>
+            <a:endParaRPr lang="en-US"/>
+          </a:p>
+        </p:txBody>
+      </p:sp>
+      <p:pic>
+        <p:nvPicPr>
+          <p:cNvPr id="11" name="Picture 10">
+            <a:extLst>
+              <a:ext uri="{FF2B5EF4-FFF2-40B4-BE49-F238E27FC236}">
+                <a16:creationId xmlns:a16="http://schemas.microsoft.com/office/drawing/2014/main" id="{3CF4D927-9086-3BF2-2651-55ED61D83605}"/>
+              </a:ext>
+            </a:extLst>
+          </p:cNvPr>
+          <p:cNvPicPr>
+            <a:picLocks noChangeAspect="1"/>
+          </p:cNvPicPr>
+          <p:nvPr/>
+        </p:nvPicPr>
+        <p:blipFill>
+          <a:blip r:embed="rId3"/>
+          <a:stretch>
+            <a:fillRect/>
+          </a:stretch>
+        </p:blipFill>
+        <p:spPr>
+          <a:xfrm>
+            <a:off x="8491871" y="6405350"/>
+            <a:ext cx="1798034" cy="374428"/>
+          </a:xfrm>
+          <a:prstGeom prst="rect">
+            <a:avLst/>
+          </a:prstGeom>
+        </p:spPr>
+      </p:pic>
+    </p:spTree>
+    <p:extLst>
+      <p:ext uri="{BB962C8B-B14F-4D97-AF65-F5344CB8AC3E}">
+        <p14:creationId xmlns:p14="http://schemas.microsoft.com/office/powerpoint/2010/main" val="512817409"/>
+      </p:ext>
+    </p:extLst>
+  </p:cSld>
+  <p:clrMapOvr>
+    <a:masterClrMapping/>
+  </p:clrMapOvr>
+</p:sld>
+</file>
+
+<file path=ppt/slides/slide7.xml><?xml version="1.0" encoding="utf-8"?>
+<p:sld xmlns:a="http://schemas.openxmlformats.org/drawingml/2006/main" xmlns:r="http://schemas.openxmlformats.org/officeDocument/2006/relationships" xmlns:p="http://schemas.openxmlformats.org/presentationml/2006/main">
+  <p:cSld>
+    <p:spTree>
+      <p:nvGrpSpPr>
+        <p:cNvPr id="1" name=""/>
+        <p:cNvGrpSpPr/>
+        <p:nvPr/>
+      </p:nvGrpSpPr>
+      <p:grpSpPr>
+        <a:xfrm>
+          <a:off x="0" y="0"/>
+          <a:ext cx="0" cy="0"/>
+          <a:chOff x="0" y="0"/>
+          <a:chExt cx="0" cy="0"/>
+        </a:xfrm>
+      </p:grpSpPr>
+      <p:sp>
+        <p:nvSpPr>
+          <p:cNvPr id="2" name="Title 1">
+            <a:extLst>
+              <a:ext uri="{FF2B5EF4-FFF2-40B4-BE49-F238E27FC236}">
+                <a16:creationId xmlns:a16="http://schemas.microsoft.com/office/drawing/2014/main" id="{AD4EAF5B-4CA9-15DB-82DB-C79DA97F87AF}"/>
+              </a:ext>
+            </a:extLst>
+          </p:cNvPr>
+          <p:cNvSpPr>
+            <a:spLocks noGrp="1"/>
+          </p:cNvSpPr>
+          <p:nvPr>
+            <p:ph type="title"/>
+          </p:nvPr>
+        </p:nvSpPr>
+        <p:spPr>
+          <a:xfrm>
+            <a:off x="1002983" y="194783"/>
+            <a:ext cx="10597346" cy="769493"/>
+          </a:xfrm>
+        </p:spPr>
+        <p:txBody>
+          <a:bodyPr>
+            <a:noAutofit/>
+          </a:bodyPr>
+          <a:lstStyle/>
+          <a:p>
+            <a:r>
+              <a:rPr lang="en-US" sz="4000" dirty="0"/>
+              <a:t>Manage Projects in coArchi – Approach 1</a:t>
+            </a:r>
+          </a:p>
+        </p:txBody>
+      </p:sp>
+      <p:sp>
+        <p:nvSpPr>
+          <p:cNvPr id="3" name="Content Placeholder 2">
+            <a:extLst>
+              <a:ext uri="{FF2B5EF4-FFF2-40B4-BE49-F238E27FC236}">
+                <a16:creationId xmlns:a16="http://schemas.microsoft.com/office/drawing/2014/main" id="{1ED874DD-C387-E2FC-65BB-7B014EF6B611}"/>
+              </a:ext>
+            </a:extLst>
+          </p:cNvPr>
+          <p:cNvSpPr>
+            <a:spLocks noGrp="1"/>
+          </p:cNvSpPr>
+          <p:nvPr>
+            <p:ph sz="quarter" idx="14"/>
+          </p:nvPr>
+        </p:nvSpPr>
+        <p:spPr>
+          <a:xfrm>
+            <a:off x="7546502" y="1695450"/>
+            <a:ext cx="4161404" cy="4658360"/>
+          </a:xfrm>
+        </p:spPr>
+        <p:txBody>
+          <a:bodyPr>
+            <a:normAutofit fontScale="77500" lnSpcReduction="20000"/>
+          </a:bodyPr>
+          <a:lstStyle/>
+          <a:p>
+            <a:r>
+              <a:rPr lang="en-US" dirty="0"/>
+              <a:t>Pros</a:t>
+            </a:r>
+          </a:p>
+          <a:p>
+            <a:pPr lvl="1"/>
+            <a:r>
+              <a:rPr lang="en-US" dirty="0"/>
+              <a:t>Clearer to control the artefacts in project mode</a:t>
+            </a:r>
+          </a:p>
+          <a:p>
+            <a:pPr lvl="1"/>
+            <a:r>
+              <a:rPr lang="en-US" dirty="0"/>
+              <a:t>One way sync to project branch makes it possible for project inherit the “master” catalog</a:t>
+            </a:r>
+          </a:p>
+          <a:p>
+            <a:pPr lvl="1"/>
+            <a:r>
+              <a:rPr lang="en-US" dirty="0"/>
+              <a:t>Multiple level of projects can be kept splitting in branches</a:t>
+            </a:r>
+          </a:p>
+          <a:p>
+            <a:r>
+              <a:rPr lang="en-US" dirty="0"/>
+              <a:t>Cons</a:t>
+            </a:r>
+          </a:p>
+          <a:p>
+            <a:pPr lvl="1"/>
+            <a:r>
+              <a:rPr lang="en-US" dirty="0"/>
+              <a:t>Difficult for one project that have multiple architects working together</a:t>
+            </a:r>
+          </a:p>
+          <a:p>
+            <a:pPr lvl="1"/>
+            <a:r>
+              <a:rPr lang="en-US" dirty="0"/>
+              <a:t>Would be “danger” in the post go-live merge back to master</a:t>
+            </a:r>
+          </a:p>
+          <a:p>
+            <a:pPr lvl="1"/>
+            <a:r>
+              <a:rPr lang="en-US" dirty="0"/>
+              <a:t>Branch hierarchy is not clear in coArchi tree view as well as GitHub (Azure DevOps can show well)</a:t>
+            </a:r>
+          </a:p>
+          <a:p>
+            <a:pPr lvl="1"/>
+            <a:endParaRPr lang="en-US" dirty="0"/>
+          </a:p>
+        </p:txBody>
+      </p:sp>
+      <p:sp>
+        <p:nvSpPr>
+          <p:cNvPr id="4" name="Footer Placeholder 3">
+            <a:extLst>
+              <a:ext uri="{FF2B5EF4-FFF2-40B4-BE49-F238E27FC236}">
+                <a16:creationId xmlns:a16="http://schemas.microsoft.com/office/drawing/2014/main" id="{BE5A7FA2-BA7F-4811-4D76-2E64B06E56ED}"/>
+              </a:ext>
+            </a:extLst>
+          </p:cNvPr>
+          <p:cNvSpPr>
+            <a:spLocks noGrp="1"/>
+          </p:cNvSpPr>
+          <p:nvPr>
+            <p:ph type="ftr" sz="quarter" idx="11"/>
+          </p:nvPr>
+        </p:nvSpPr>
+        <p:spPr/>
+        <p:txBody>
+          <a:bodyPr/>
+          <a:lstStyle/>
+          <a:p>
+            <a:r>
+              <a:rPr lang="en-US"/>
+              <a:t>Practice of Using Archi plug-in - coArchi</a:t>
+            </a:r>
+            <a:endParaRPr lang="en-US" dirty="0"/>
+          </a:p>
+        </p:txBody>
+      </p:sp>
+      <p:sp>
+        <p:nvSpPr>
+          <p:cNvPr id="5" name="Date Placeholder 4">
+            <a:extLst>
+              <a:ext uri="{FF2B5EF4-FFF2-40B4-BE49-F238E27FC236}">
+                <a16:creationId xmlns:a16="http://schemas.microsoft.com/office/drawing/2014/main" id="{1CC34D2C-0D30-A49C-B1AC-60F92C8332A1}"/>
+              </a:ext>
+            </a:extLst>
+          </p:cNvPr>
+          <p:cNvSpPr>
+            <a:spLocks noGrp="1"/>
+          </p:cNvSpPr>
+          <p:nvPr>
+            <p:ph type="dt" sz="half" idx="10"/>
+          </p:nvPr>
+        </p:nvSpPr>
+        <p:spPr/>
+        <p:txBody>
+          <a:bodyPr/>
+          <a:lstStyle/>
+          <a:p>
+            <a:pPr>
+              <a:defRPr/>
+            </a:pPr>
+            <a:r>
+              <a:rPr lang="en-US">
+                <a:solidFill>
+                  <a:prstClr val="black"/>
+                </a:solidFill>
+              </a:rPr>
+              <a:t>Feb., 2024</a:t>
+            </a:r>
+            <a:endParaRPr lang="en-US" dirty="0">
+              <a:solidFill>
+                <a:prstClr val="black"/>
+              </a:solidFill>
+            </a:endParaRPr>
+          </a:p>
+        </p:txBody>
+      </p:sp>
+      <p:sp>
+        <p:nvSpPr>
+          <p:cNvPr id="6" name="Slide Number Placeholder 5">
+            <a:extLst>
+              <a:ext uri="{FF2B5EF4-FFF2-40B4-BE49-F238E27FC236}">
+                <a16:creationId xmlns:a16="http://schemas.microsoft.com/office/drawing/2014/main" id="{F66AC4CD-EB3E-2C96-9E70-FADBBF651008}"/>
+              </a:ext>
+            </a:extLst>
+          </p:cNvPr>
+          <p:cNvSpPr>
+            <a:spLocks noGrp="1"/>
+          </p:cNvSpPr>
+          <p:nvPr>
+            <p:ph type="sldNum" sz="quarter" idx="12"/>
+          </p:nvPr>
+        </p:nvSpPr>
+        <p:spPr/>
+        <p:txBody>
+          <a:bodyPr/>
+          <a:lstStyle/>
+          <a:p>
+            <a:pPr marL="0" marR="0" lvl="0" indent="0" algn="r" defTabSz="914400" rtl="0" eaLnBrk="1" fontAlgn="auto" latinLnBrk="0" hangingPunct="1">
+              <a:lnSpc>
+                <a:spcPct val="100000"/>
+              </a:lnSpc>
+              <a:spcBef>
+                <a:spcPts val="0"/>
+              </a:spcBef>
+              <a:spcAft>
+                <a:spcPts val="0"/>
+              </a:spcAft>
+              <a:buClrTx/>
+              <a:buSzTx/>
+              <a:buFontTx/>
+              <a:buNone/>
+              <a:tabLst/>
+              <a:defRPr/>
+            </a:pPr>
+            <a:fld id="{06B786C7-B8F9-4072-AAAA-17258464D730}" type="slidenum">
+              <a:rPr kumimoji="0" lang="en-US" sz="1050" b="0" i="0" u="none" strike="noStrike" kern="1200" cap="none" spc="0" normalizeH="0" baseline="0" noProof="0" smtClean="0">
+                <a:ln>
+                  <a:noFill/>
+                </a:ln>
+                <a:solidFill>
+                  <a:prstClr val="black"/>
+                </a:solidFill>
+                <a:effectLst/>
+                <a:uLnTx/>
+                <a:uFillTx/>
+                <a:latin typeface="Avenir Next LT Pro"/>
+                <a:ea typeface="+mn-ea"/>
+                <a:cs typeface="+mn-cs"/>
+              </a:rPr>
+              <a:pPr marL="0" marR="0" lvl="0" indent="0" algn="r" defTabSz="914400" rtl="0" eaLnBrk="1" fontAlgn="auto" latinLnBrk="0" hangingPunct="1">
+                <a:lnSpc>
+                  <a:spcPct val="100000"/>
+                </a:lnSpc>
+                <a:spcBef>
+                  <a:spcPts val="0"/>
+                </a:spcBef>
+                <a:spcAft>
+                  <a:spcPts val="0"/>
+                </a:spcAft>
+                <a:buClrTx/>
+                <a:buSzTx/>
+                <a:buFontTx/>
+                <a:buNone/>
+                <a:tabLst/>
+                <a:defRPr/>
+              </a:pPr>
+              <a:t>7</a:t>
+            </a:fld>
+            <a:endParaRPr kumimoji="0" lang="en-US" sz="1050" b="0" i="0" u="none" strike="noStrike" kern="1200" cap="none" spc="0" normalizeH="0" baseline="0" noProof="0" dirty="0">
+              <a:ln>
+                <a:noFill/>
+              </a:ln>
+              <a:solidFill>
+                <a:prstClr val="black"/>
+              </a:solidFill>
+              <a:effectLst/>
+              <a:uLnTx/>
+              <a:uFillTx/>
+              <a:latin typeface="Avenir Next LT Pro"/>
+              <a:ea typeface="+mn-ea"/>
+              <a:cs typeface="+mn-cs"/>
+            </a:endParaRPr>
+          </a:p>
+        </p:txBody>
+      </p:sp>
+      <p:pic>
+        <p:nvPicPr>
+          <p:cNvPr id="8" name="Picture 7">
+            <a:extLst>
+              <a:ext uri="{FF2B5EF4-FFF2-40B4-BE49-F238E27FC236}">
+                <a16:creationId xmlns:a16="http://schemas.microsoft.com/office/drawing/2014/main" id="{80D71E98-3CB9-DC5D-E333-9DECDDA18125}"/>
+              </a:ext>
+            </a:extLst>
+          </p:cNvPr>
+          <p:cNvPicPr>
+            <a:picLocks noChangeAspect="1"/>
+          </p:cNvPicPr>
+          <p:nvPr/>
+        </p:nvPicPr>
+        <p:blipFill>
+          <a:blip r:embed="rId2"/>
+          <a:stretch>
+            <a:fillRect/>
+          </a:stretch>
+        </p:blipFill>
+        <p:spPr>
+          <a:xfrm>
+            <a:off x="1174746" y="1434918"/>
+            <a:ext cx="4361098" cy="1763777"/>
+          </a:xfrm>
+          <a:prstGeom prst="rect">
+            <a:avLst/>
+          </a:prstGeom>
+        </p:spPr>
+      </p:pic>
+      <p:pic>
+        <p:nvPicPr>
+          <p:cNvPr id="9" name="Picture 8">
+            <a:extLst>
+              <a:ext uri="{FF2B5EF4-FFF2-40B4-BE49-F238E27FC236}">
+                <a16:creationId xmlns:a16="http://schemas.microsoft.com/office/drawing/2014/main" id="{9E0EB887-5B38-E75A-BE3C-10EE08544480}"/>
+              </a:ext>
+            </a:extLst>
+          </p:cNvPr>
+          <p:cNvPicPr>
+            <a:picLocks noChangeAspect="1"/>
+          </p:cNvPicPr>
+          <p:nvPr/>
+        </p:nvPicPr>
+        <p:blipFill>
+          <a:blip r:embed="rId3"/>
+          <a:stretch>
+            <a:fillRect/>
+          </a:stretch>
+        </p:blipFill>
+        <p:spPr>
+          <a:xfrm>
+            <a:off x="152746" y="3544770"/>
+            <a:ext cx="7393756" cy="2950590"/>
+          </a:xfrm>
+          <a:prstGeom prst="rect">
+            <a:avLst/>
+          </a:prstGeom>
+        </p:spPr>
+      </p:pic>
+    </p:spTree>
+    <p:extLst>
+      <p:ext uri="{BB962C8B-B14F-4D97-AF65-F5344CB8AC3E}">
+        <p14:creationId xmlns:p14="http://schemas.microsoft.com/office/powerpoint/2010/main" val="3256707023"/>
+      </p:ext>
+    </p:extLst>
+  </p:cSld>
+  <p:clrMapOvr>
+    <a:masterClrMapping/>
+  </p:clrMapOvr>
+</p:sld>
+</file>
+
+<file path=ppt/slides/slide8.xml><?xml version="1.0" encoding="utf-8"?>
+<p:sld xmlns:a="http://schemas.openxmlformats.org/drawingml/2006/main" xmlns:r="http://schemas.openxmlformats.org/officeDocument/2006/relationships" xmlns:p="http://schemas.openxmlformats.org/presentationml/2006/main">
+  <p:cSld>
+    <p:spTree>
+      <p:nvGrpSpPr>
+        <p:cNvPr id="1" name=""/>
+        <p:cNvGrpSpPr/>
+        <p:nvPr/>
+      </p:nvGrpSpPr>
+      <p:grpSpPr>
+        <a:xfrm>
+          <a:off x="0" y="0"/>
+          <a:ext cx="0" cy="0"/>
+          <a:chOff x="0" y="0"/>
+          <a:chExt cx="0" cy="0"/>
+        </a:xfrm>
+      </p:grpSpPr>
+      <p:sp>
+        <p:nvSpPr>
+          <p:cNvPr id="2" name="Title 1">
+            <a:extLst>
+              <a:ext uri="{FF2B5EF4-FFF2-40B4-BE49-F238E27FC236}">
+                <a16:creationId xmlns:a16="http://schemas.microsoft.com/office/drawing/2014/main" id="{491CE550-F4C4-56D5-5B2C-A6286940FDFF}"/>
+              </a:ext>
+            </a:extLst>
+          </p:cNvPr>
+          <p:cNvSpPr>
+            <a:spLocks noGrp="1"/>
+          </p:cNvSpPr>
+          <p:nvPr>
+            <p:ph type="title"/>
+          </p:nvPr>
+        </p:nvSpPr>
+        <p:spPr>
+          <a:xfrm>
+            <a:off x="1002983" y="194783"/>
+            <a:ext cx="10257155" cy="769493"/>
+          </a:xfrm>
+        </p:spPr>
+        <p:txBody>
+          <a:bodyPr>
+            <a:noAutofit/>
+          </a:bodyPr>
+          <a:lstStyle/>
+          <a:p>
+            <a:r>
+              <a:rPr lang="en-US" sz="4000" dirty="0"/>
+              <a:t>Manage Projects in coArchi – Approach 2</a:t>
+            </a:r>
+          </a:p>
+        </p:txBody>
+      </p:sp>
+      <p:sp>
+        <p:nvSpPr>
+          <p:cNvPr id="3" name="Content Placeholder 2">
+            <a:extLst>
+              <a:ext uri="{FF2B5EF4-FFF2-40B4-BE49-F238E27FC236}">
+                <a16:creationId xmlns:a16="http://schemas.microsoft.com/office/drawing/2014/main" id="{CD7B0978-85F2-BF34-2F2C-707F6F43F4C8}"/>
+              </a:ext>
+            </a:extLst>
+          </p:cNvPr>
+          <p:cNvSpPr>
+            <a:spLocks noGrp="1"/>
+          </p:cNvSpPr>
+          <p:nvPr>
+            <p:ph sz="quarter" idx="14"/>
+          </p:nvPr>
+        </p:nvSpPr>
+        <p:spPr/>
+        <p:txBody>
+          <a:bodyPr/>
+          <a:lstStyle/>
+          <a:p>
+            <a:r>
+              <a:rPr lang="en-US" dirty="0"/>
+              <a:t>Not branching base on project, all projects are in the same repo</a:t>
+            </a:r>
+          </a:p>
+          <a:p>
+            <a:r>
+              <a:rPr lang="en-US" dirty="0"/>
+              <a:t>Branch are only used per modelers</a:t>
+            </a:r>
+          </a:p>
+          <a:p>
+            <a:r>
+              <a:rPr lang="en-US" dirty="0"/>
+              <a:t>The different project are in View project folder, it is soft-recommendation for modelers to manage the view naming</a:t>
+            </a:r>
+          </a:p>
+          <a:p>
+            <a:r>
+              <a:rPr lang="en-US" dirty="0"/>
+              <a:t>Create property to indicate status/state</a:t>
+            </a:r>
+          </a:p>
+        </p:txBody>
+      </p:sp>
+      <p:sp>
+        <p:nvSpPr>
+          <p:cNvPr id="4" name="Footer Placeholder 3">
+            <a:extLst>
+              <a:ext uri="{FF2B5EF4-FFF2-40B4-BE49-F238E27FC236}">
+                <a16:creationId xmlns:a16="http://schemas.microsoft.com/office/drawing/2014/main" id="{609D55AF-3575-11B7-CBD0-3F9CDB4ECB90}"/>
+              </a:ext>
+            </a:extLst>
+          </p:cNvPr>
+          <p:cNvSpPr>
+            <a:spLocks noGrp="1"/>
+          </p:cNvSpPr>
+          <p:nvPr>
+            <p:ph type="ftr" sz="quarter" idx="11"/>
+          </p:nvPr>
+        </p:nvSpPr>
+        <p:spPr/>
+        <p:txBody>
+          <a:bodyPr/>
+          <a:lstStyle/>
+          <a:p>
+            <a:r>
+              <a:rPr lang="en-US"/>
+              <a:t>Practice of Using Archi plug-in - coArchi</a:t>
+            </a:r>
+            <a:endParaRPr lang="en-US" dirty="0"/>
+          </a:p>
+        </p:txBody>
+      </p:sp>
+      <p:sp>
+        <p:nvSpPr>
+          <p:cNvPr id="5" name="Date Placeholder 4">
+            <a:extLst>
+              <a:ext uri="{FF2B5EF4-FFF2-40B4-BE49-F238E27FC236}">
+                <a16:creationId xmlns:a16="http://schemas.microsoft.com/office/drawing/2014/main" id="{94A2D785-A966-B9A4-7B6B-5DAA3F5CEBB6}"/>
+              </a:ext>
+            </a:extLst>
+          </p:cNvPr>
+          <p:cNvSpPr>
+            <a:spLocks noGrp="1"/>
+          </p:cNvSpPr>
+          <p:nvPr>
+            <p:ph type="dt" sz="half" idx="10"/>
+          </p:nvPr>
+        </p:nvSpPr>
+        <p:spPr/>
+        <p:txBody>
+          <a:bodyPr/>
+          <a:lstStyle/>
+          <a:p>
+            <a:pPr>
+              <a:defRPr/>
+            </a:pPr>
+            <a:r>
+              <a:rPr lang="en-US">
+                <a:solidFill>
+                  <a:prstClr val="black"/>
+                </a:solidFill>
+              </a:rPr>
+              <a:t>Feb., 2024</a:t>
+            </a:r>
+            <a:endParaRPr lang="en-US" dirty="0">
+              <a:solidFill>
+                <a:prstClr val="black"/>
+              </a:solidFill>
+            </a:endParaRPr>
+          </a:p>
+        </p:txBody>
+      </p:sp>
+      <p:sp>
+        <p:nvSpPr>
+          <p:cNvPr id="6" name="Slide Number Placeholder 5">
+            <a:extLst>
+              <a:ext uri="{FF2B5EF4-FFF2-40B4-BE49-F238E27FC236}">
+                <a16:creationId xmlns:a16="http://schemas.microsoft.com/office/drawing/2014/main" id="{40A27739-A64D-7A72-6DF4-A1B08C9851C8}"/>
+              </a:ext>
+            </a:extLst>
+          </p:cNvPr>
+          <p:cNvSpPr>
+            <a:spLocks noGrp="1"/>
+          </p:cNvSpPr>
+          <p:nvPr>
+            <p:ph type="sldNum" sz="quarter" idx="12"/>
+          </p:nvPr>
+        </p:nvSpPr>
+        <p:spPr/>
+        <p:txBody>
+          <a:bodyPr/>
+          <a:lstStyle/>
+          <a:p>
+            <a:pPr marL="0" marR="0" lvl="0" indent="0" algn="r" defTabSz="914400" rtl="0" eaLnBrk="1" fontAlgn="auto" latinLnBrk="0" hangingPunct="1">
+              <a:lnSpc>
+                <a:spcPct val="100000"/>
+              </a:lnSpc>
+              <a:spcBef>
+                <a:spcPts val="0"/>
+              </a:spcBef>
+              <a:spcAft>
+                <a:spcPts val="0"/>
+              </a:spcAft>
+              <a:buClrTx/>
+              <a:buSzTx/>
+              <a:buFontTx/>
+              <a:buNone/>
+              <a:tabLst/>
+              <a:defRPr/>
+            </a:pPr>
+            <a:fld id="{06B786C7-B8F9-4072-AAAA-17258464D730}" type="slidenum">
+              <a:rPr kumimoji="0" lang="en-US" sz="1050" b="0" i="0" u="none" strike="noStrike" kern="1200" cap="none" spc="0" normalizeH="0" baseline="0" noProof="0" smtClean="0">
+                <a:ln>
+                  <a:noFill/>
+                </a:ln>
+                <a:solidFill>
+                  <a:prstClr val="black"/>
+                </a:solidFill>
+                <a:effectLst/>
+                <a:uLnTx/>
+                <a:uFillTx/>
+                <a:latin typeface="Avenir Next LT Pro"/>
+                <a:ea typeface="+mn-ea"/>
+                <a:cs typeface="+mn-cs"/>
+              </a:rPr>
+              <a:pPr marL="0" marR="0" lvl="0" indent="0" algn="r" defTabSz="914400" rtl="0" eaLnBrk="1" fontAlgn="auto" latinLnBrk="0" hangingPunct="1">
+                <a:lnSpc>
+                  <a:spcPct val="100000"/>
+                </a:lnSpc>
+                <a:spcBef>
+                  <a:spcPts val="0"/>
+                </a:spcBef>
+                <a:spcAft>
+                  <a:spcPts val="0"/>
+                </a:spcAft>
+                <a:buClrTx/>
+                <a:buSzTx/>
+                <a:buFontTx/>
+                <a:buNone/>
+                <a:tabLst/>
+                <a:defRPr/>
+              </a:pPr>
+              <a:t>8</a:t>
+            </a:fld>
+            <a:endParaRPr kumimoji="0" lang="en-US" sz="1050" b="0" i="0" u="none" strike="noStrike" kern="1200" cap="none" spc="0" normalizeH="0" baseline="0" noProof="0" dirty="0">
+              <a:ln>
+                <a:noFill/>
+              </a:ln>
+              <a:solidFill>
+                <a:prstClr val="black"/>
+              </a:solidFill>
+              <a:effectLst/>
+              <a:uLnTx/>
+              <a:uFillTx/>
+              <a:latin typeface="Avenir Next LT Pro"/>
+              <a:ea typeface="+mn-ea"/>
+              <a:cs typeface="+mn-cs"/>
+            </a:endParaRPr>
+          </a:p>
+        </p:txBody>
+      </p:sp>
+      <p:pic>
+        <p:nvPicPr>
+          <p:cNvPr id="7" name="Picture 6">
+            <a:extLst>
+              <a:ext uri="{FF2B5EF4-FFF2-40B4-BE49-F238E27FC236}">
+                <a16:creationId xmlns:a16="http://schemas.microsoft.com/office/drawing/2014/main" id="{84893267-3C90-55D8-E343-8DD67A0ACCD9}"/>
+              </a:ext>
+            </a:extLst>
+          </p:cNvPr>
+          <p:cNvPicPr>
+            <a:picLocks noChangeAspect="1"/>
+          </p:cNvPicPr>
+          <p:nvPr/>
+        </p:nvPicPr>
+        <p:blipFill>
+          <a:blip r:embed="rId2"/>
+          <a:stretch>
+            <a:fillRect/>
+          </a:stretch>
+        </p:blipFill>
+        <p:spPr>
+          <a:xfrm>
+            <a:off x="840695" y="4238840"/>
+            <a:ext cx="4904762" cy="1676190"/>
+          </a:xfrm>
+          <a:prstGeom prst="rect">
+            <a:avLst/>
+          </a:prstGeom>
+        </p:spPr>
+      </p:pic>
+      <p:sp>
+        <p:nvSpPr>
+          <p:cNvPr id="9" name="TextBox 8">
+            <a:extLst>
+              <a:ext uri="{FF2B5EF4-FFF2-40B4-BE49-F238E27FC236}">
+                <a16:creationId xmlns:a16="http://schemas.microsoft.com/office/drawing/2014/main" id="{1B02FFAC-0E7B-89B2-FCB1-2355D5092AFC}"/>
+              </a:ext>
+            </a:extLst>
+          </p:cNvPr>
+          <p:cNvSpPr txBox="1"/>
+          <p:nvPr/>
+        </p:nvSpPr>
+        <p:spPr>
+          <a:xfrm>
+            <a:off x="5836625" y="4221421"/>
+            <a:ext cx="6094428" cy="2123658"/>
+          </a:xfrm>
+          <a:prstGeom prst="rect">
+            <a:avLst/>
+          </a:prstGeom>
+          <a:noFill/>
+        </p:spPr>
+        <p:txBody>
+          <a:bodyPr wrap="square">
+            <a:spAutoFit/>
+          </a:bodyPr>
+          <a:lstStyle/>
+          <a:p>
+            <a:pPr marL="342900" lvl="0" indent="-342900">
+              <a:buFont typeface="Symbol" panose="05050102010706020507" pitchFamily="18" charset="2"/>
+              <a:buChar char=""/>
+            </a:pPr>
+            <a:r>
+              <a:rPr lang="en-US" sz="1200" dirty="0">
+                <a:effectLst/>
+                <a:latin typeface="Arial" panose="020B0604020202020204" pitchFamily="34" charset="0"/>
+                <a:ea typeface="宋体" panose="02010600030101010101" pitchFamily="2" charset="-122"/>
+              </a:rPr>
+              <a:t>For the elements / views in to-be state: add Property called "Effective From" with a date, in format like </a:t>
+            </a:r>
+            <a:r>
+              <a:rPr lang="en-US" sz="1200" dirty="0" err="1">
+                <a:effectLst/>
+                <a:latin typeface="Arial" panose="020B0604020202020204" pitchFamily="34" charset="0"/>
+                <a:ea typeface="宋体" panose="02010600030101010101" pitchFamily="2" charset="-122"/>
+              </a:rPr>
+              <a:t>yyyy</a:t>
+            </a:r>
+            <a:r>
+              <a:rPr lang="en-US" sz="1200" dirty="0">
+                <a:effectLst/>
+                <a:latin typeface="Arial" panose="020B0604020202020204" pitchFamily="34" charset="0"/>
+                <a:ea typeface="宋体" panose="02010600030101010101" pitchFamily="2" charset="-122"/>
+              </a:rPr>
+              <a:t>-mm-dd, no need to distinguish which phase, we just give indication one future date</a:t>
+            </a:r>
+            <a:endParaRPr lang="en-US" sz="1600" dirty="0">
+              <a:effectLst/>
+              <a:latin typeface="Calibri" panose="020F0502020204030204" pitchFamily="34" charset="0"/>
+              <a:ea typeface="宋体" panose="02010600030101010101" pitchFamily="2" charset="-122"/>
+            </a:endParaRPr>
+          </a:p>
+          <a:p>
+            <a:pPr marL="342900" lvl="0" indent="-342900">
+              <a:buFont typeface="Symbol" panose="05050102010706020507" pitchFamily="18" charset="2"/>
+              <a:buChar char=""/>
+            </a:pPr>
+            <a:r>
+              <a:rPr lang="en-US" sz="1200" dirty="0">
+                <a:effectLst/>
+                <a:latin typeface="Arial" panose="020B0604020202020204" pitchFamily="34" charset="0"/>
+                <a:ea typeface="宋体" panose="02010600030101010101" pitchFamily="2" charset="-122"/>
+              </a:rPr>
+              <a:t>For the elements / views passed the current date and as historical artefact: add Property called "Effective Until" with a date</a:t>
+            </a:r>
+            <a:endParaRPr lang="en-US" sz="1600" dirty="0">
+              <a:effectLst/>
+              <a:latin typeface="Calibri" panose="020F0502020204030204" pitchFamily="34" charset="0"/>
+              <a:ea typeface="宋体" panose="02010600030101010101" pitchFamily="2" charset="-122"/>
+            </a:endParaRPr>
+          </a:p>
+          <a:p>
+            <a:pPr marL="342900" lvl="0" indent="-342900">
+              <a:buFont typeface="Symbol" panose="05050102010706020507" pitchFamily="18" charset="2"/>
+              <a:buChar char=""/>
+            </a:pPr>
+            <a:r>
+              <a:rPr lang="en-US" sz="1200" dirty="0">
+                <a:effectLst/>
+                <a:latin typeface="Arial" panose="020B0604020202020204" pitchFamily="34" charset="0"/>
+                <a:ea typeface="宋体" panose="02010600030101010101" pitchFamily="2" charset="-122"/>
+              </a:rPr>
+              <a:t>Architect can use title of view to indicate states, e.g. as-is, phase 1, phase 2, …, to-be; while certain phase passed, architect need to maintain/update the view title in time to prevent mis-leading</a:t>
+            </a:r>
+            <a:endParaRPr lang="en-US" sz="1600" dirty="0">
+              <a:effectLst/>
+              <a:latin typeface="Calibri" panose="020F0502020204030204" pitchFamily="34" charset="0"/>
+              <a:ea typeface="宋体" panose="02010600030101010101" pitchFamily="2" charset="-122"/>
+            </a:endParaRPr>
+          </a:p>
+          <a:p>
+            <a:pPr marL="342900" lvl="0" indent="-342900">
+              <a:buFont typeface="Symbol" panose="05050102010706020507" pitchFamily="18" charset="2"/>
+              <a:buChar char=""/>
+            </a:pPr>
+            <a:r>
+              <a:rPr lang="en-US" sz="1200" dirty="0">
+                <a:effectLst/>
+                <a:latin typeface="Arial" panose="020B0604020202020204" pitchFamily="34" charset="0"/>
+                <a:ea typeface="宋体" panose="02010600030101010101" pitchFamily="2" charset="-122"/>
+              </a:rPr>
+              <a:t>Archi repository will keep (not delete) the historical elements/relations, gradually, those decommissioned objects will be added those “effective” properties then we will have better view</a:t>
+            </a:r>
+            <a:endParaRPr lang="en-US" sz="1600" dirty="0">
+              <a:effectLst/>
+              <a:latin typeface="Calibri" panose="020F0502020204030204" pitchFamily="34" charset="0"/>
+              <a:ea typeface="宋体" panose="02010600030101010101" pitchFamily="2" charset="-122"/>
+            </a:endParaRPr>
+          </a:p>
+        </p:txBody>
+      </p:sp>
+    </p:spTree>
+    <p:extLst>
+      <p:ext uri="{BB962C8B-B14F-4D97-AF65-F5344CB8AC3E}">
+        <p14:creationId xmlns:p14="http://schemas.microsoft.com/office/powerpoint/2010/main" val="1778266238"/>
       </p:ext>
     </p:extLst>
   </p:cSld>

--- a/architool/Using-coArchi.pptx
+++ b/architool/Using-coArchi.pptx
@@ -5,20 +5,21 @@
     <p:sldMasterId id="2147483648" r:id="rId4"/>
   </p:sldMasterIdLst>
   <p:notesMasterIdLst>
-    <p:notesMasterId r:id="rId13"/>
+    <p:notesMasterId r:id="rId14"/>
   </p:notesMasterIdLst>
   <p:handoutMasterIdLst>
-    <p:handoutMasterId r:id="rId14"/>
+    <p:handoutMasterId r:id="rId15"/>
   </p:handoutMasterIdLst>
   <p:sldIdLst>
     <p:sldId id="256" r:id="rId5"/>
     <p:sldId id="257" r:id="rId6"/>
-    <p:sldId id="263" r:id="rId7"/>
+    <p:sldId id="262" r:id="rId7"/>
     <p:sldId id="258" r:id="rId8"/>
-    <p:sldId id="262" r:id="rId9"/>
+    <p:sldId id="264" r:id="rId9"/>
     <p:sldId id="259" r:id="rId10"/>
     <p:sldId id="260" r:id="rId11"/>
     <p:sldId id="261" r:id="rId12"/>
+    <p:sldId id="263" r:id="rId13"/>
   </p:sldIdLst>
   <p:sldSz cx="12192000" cy="6858000"/>
   <p:notesSz cx="6858000" cy="9144000"/>
@@ -6323,6 +6324,46 @@
           </a:prstGeom>
         </p:spPr>
       </p:pic>
+      <p:sp>
+        <p:nvSpPr>
+          <p:cNvPr id="10" name="TextBox 9">
+            <a:extLst>
+              <a:ext uri="{FF2B5EF4-FFF2-40B4-BE49-F238E27FC236}">
+                <a16:creationId xmlns:a16="http://schemas.microsoft.com/office/drawing/2014/main" id="{41E3DFBE-4533-1243-3475-CB0683A19591}"/>
+              </a:ext>
+            </a:extLst>
+          </p:cNvPr>
+          <p:cNvSpPr txBox="1"/>
+          <p:nvPr/>
+        </p:nvSpPr>
+        <p:spPr>
+          <a:xfrm>
+            <a:off x="8973681" y="3562086"/>
+            <a:ext cx="2353658" cy="707886"/>
+          </a:xfrm>
+          <a:prstGeom prst="rect">
+            <a:avLst/>
+          </a:prstGeom>
+          <a:noFill/>
+        </p:spPr>
+        <p:txBody>
+          <a:bodyPr wrap="none" rtlCol="0">
+            <a:spAutoFit/>
+          </a:bodyPr>
+          <a:lstStyle/>
+          <a:p>
+            <a:pPr algn="ctr"/>
+            <a:r>
+              <a:rPr lang="en-US" sz="4000" b="1" dirty="0">
+                <a:solidFill>
+                  <a:schemeClr val="bg1"/>
+                </a:solidFill>
+              </a:rPr>
+              <a:t>Part One</a:t>
+            </a:r>
+          </a:p>
+        </p:txBody>
+      </p:sp>
     </p:spTree>
     <p:extLst>
       <p:ext uri="{BB962C8B-B14F-4D97-AF65-F5344CB8AC3E}">
@@ -6820,7 +6861,7 @@
           <p:cNvPr id="2" name="Title 1">
             <a:extLst>
               <a:ext uri="{FF2B5EF4-FFF2-40B4-BE49-F238E27FC236}">
-                <a16:creationId xmlns:a16="http://schemas.microsoft.com/office/drawing/2014/main" id="{58BA1275-AFB9-2AD3-FC08-D73EA6CD2196}"/>
+                <a16:creationId xmlns:a16="http://schemas.microsoft.com/office/drawing/2014/main" id="{A541B6E5-8C81-CBDB-C51C-6331AAB1634B}"/>
               </a:ext>
             </a:extLst>
           </p:cNvPr>
@@ -6840,54 +6881,25 @@
           <a:p>
             <a:r>
               <a:rPr lang="en-US" dirty="0"/>
-              <a:t>More Reflections – Performance</a:t>
-            </a:r>
-          </a:p>
-        </p:txBody>
-      </p:sp>
-      <p:pic>
-        <p:nvPicPr>
-          <p:cNvPr id="8" name="Content Placeholder 7">
-            <a:extLst>
-              <a:ext uri="{FF2B5EF4-FFF2-40B4-BE49-F238E27FC236}">
-                <a16:creationId xmlns:a16="http://schemas.microsoft.com/office/drawing/2014/main" id="{EC587B67-99FF-9303-6346-3E4D88B8DFF1}"/>
-              </a:ext>
-            </a:extLst>
-          </p:cNvPr>
-          <p:cNvPicPr>
-            <a:picLocks noGrp="1" noChangeAspect="1"/>
-          </p:cNvPicPr>
+              <a:t>Connect coArchi to Remote Repo</a:t>
+            </a:r>
+          </a:p>
+        </p:txBody>
+      </p:sp>
+      <p:sp>
+        <p:nvSpPr>
+          <p:cNvPr id="3" name="Content Placeholder 2">
+            <a:extLst>
+              <a:ext uri="{FF2B5EF4-FFF2-40B4-BE49-F238E27FC236}">
+                <a16:creationId xmlns:a16="http://schemas.microsoft.com/office/drawing/2014/main" id="{E4B9E5E1-DE75-4D06-9A54-A8ADE0B6989C}"/>
+              </a:ext>
+            </a:extLst>
+          </p:cNvPr>
+          <p:cNvSpPr>
+            <a:spLocks noGrp="1"/>
+          </p:cNvSpPr>
           <p:nvPr>
             <p:ph sz="quarter" idx="14"/>
-          </p:nvPr>
-        </p:nvPicPr>
-        <p:blipFill>
-          <a:blip r:embed="rId2"/>
-          <a:stretch>
-            <a:fillRect/>
-          </a:stretch>
-        </p:blipFill>
-        <p:spPr>
-          <a:xfrm>
-            <a:off x="1150070" y="1295923"/>
-            <a:ext cx="9539926" cy="4931937"/>
-          </a:xfrm>
-        </p:spPr>
-      </p:pic>
-      <p:sp>
-        <p:nvSpPr>
-          <p:cNvPr id="4" name="Footer Placeholder 3">
-            <a:extLst>
-              <a:ext uri="{FF2B5EF4-FFF2-40B4-BE49-F238E27FC236}">
-                <a16:creationId xmlns:a16="http://schemas.microsoft.com/office/drawing/2014/main" id="{7F06ECBA-82F9-F79A-C12B-0AA86F7287CF}"/>
-              </a:ext>
-            </a:extLst>
-          </p:cNvPr>
-          <p:cNvSpPr>
-            <a:spLocks noGrp="1"/>
-          </p:cNvSpPr>
-          <p:nvPr>
-            <p:ph type="ftr" sz="quarter" idx="11"/>
           </p:nvPr>
         </p:nvSpPr>
         <p:spPr/>
@@ -6896,6 +6908,52 @@
           <a:lstStyle/>
           <a:p>
             <a:r>
+              <a:rPr lang="en-US" dirty="0"/>
+              <a:t>GitHub</a:t>
+            </a:r>
+          </a:p>
+          <a:p>
+            <a:endParaRPr lang="en-US" dirty="0"/>
+          </a:p>
+          <a:p>
+            <a:r>
+              <a:rPr lang="en-US" dirty="0"/>
+              <a:t>Azure DevOps</a:t>
+            </a:r>
+          </a:p>
+          <a:p>
+            <a:endParaRPr lang="en-US" dirty="0"/>
+          </a:p>
+          <a:p>
+            <a:r>
+              <a:rPr lang="en-US" dirty="0"/>
+              <a:t>Gitblit local server</a:t>
+            </a:r>
+          </a:p>
+        </p:txBody>
+      </p:sp>
+      <p:sp>
+        <p:nvSpPr>
+          <p:cNvPr id="4" name="Footer Placeholder 3">
+            <a:extLst>
+              <a:ext uri="{FF2B5EF4-FFF2-40B4-BE49-F238E27FC236}">
+                <a16:creationId xmlns:a16="http://schemas.microsoft.com/office/drawing/2014/main" id="{87104C49-755D-169D-F989-44D376385087}"/>
+              </a:ext>
+            </a:extLst>
+          </p:cNvPr>
+          <p:cNvSpPr>
+            <a:spLocks noGrp="1"/>
+          </p:cNvSpPr>
+          <p:nvPr>
+            <p:ph type="ftr" sz="quarter" idx="11"/>
+          </p:nvPr>
+        </p:nvSpPr>
+        <p:spPr/>
+        <p:txBody>
+          <a:bodyPr/>
+          <a:lstStyle/>
+          <a:p>
+            <a:r>
               <a:rPr lang="en-US"/>
               <a:t>Practice of Using Archi plug-in - coArchi</a:t>
             </a:r>
@@ -6908,7 +6966,7 @@
           <p:cNvPr id="5" name="Date Placeholder 4">
             <a:extLst>
               <a:ext uri="{FF2B5EF4-FFF2-40B4-BE49-F238E27FC236}">
-                <a16:creationId xmlns:a16="http://schemas.microsoft.com/office/drawing/2014/main" id="{D55D0A54-D4E8-4270-E52E-8186B08FC403}"/>
+                <a16:creationId xmlns:a16="http://schemas.microsoft.com/office/drawing/2014/main" id="{167B8FAC-3FC9-2460-E6D9-324E76E715A4}"/>
               </a:ext>
             </a:extLst>
           </p:cNvPr>
@@ -6948,7 +7006,7 @@
           <p:cNvPr id="6" name="Slide Number Placeholder 5">
             <a:extLst>
               <a:ext uri="{FF2B5EF4-FFF2-40B4-BE49-F238E27FC236}">
-                <a16:creationId xmlns:a16="http://schemas.microsoft.com/office/drawing/2014/main" id="{9FACA1FA-ADDB-D2BD-B405-BA4520B9AAFB}"/>
+                <a16:creationId xmlns:a16="http://schemas.microsoft.com/office/drawing/2014/main" id="{663C0662-403F-8554-2D94-531A6FD4E339}"/>
               </a:ext>
             </a:extLst>
           </p:cNvPr>
@@ -7035,7 +7093,7 @@
     </p:spTree>
     <p:extLst>
       <p:ext uri="{BB962C8B-B14F-4D97-AF65-F5344CB8AC3E}">
-        <p14:creationId xmlns:p14="http://schemas.microsoft.com/office/powerpoint/2010/main" val="183745645"/>
+        <p14:creationId xmlns:p14="http://schemas.microsoft.com/office/powerpoint/2010/main" val="3825145434"/>
       </p:ext>
     </p:extLst>
   </p:cSld>
@@ -7644,7 +7702,13 @@
   <p:cSld>
     <p:spTree>
       <p:nvGrpSpPr>
-        <p:cNvPr id="1" name=""/>
+        <p:cNvPr id="1" name="">
+          <a:extLst>
+            <a:ext uri="{FF2B5EF4-FFF2-40B4-BE49-F238E27FC236}">
+              <a16:creationId xmlns:a16="http://schemas.microsoft.com/office/drawing/2014/main" id="{8956D460-D3C7-D31B-0739-5843CACCA72C}"/>
+            </a:ext>
+          </a:extLst>
+        </p:cNvPr>
         <p:cNvGrpSpPr/>
         <p:nvPr/>
       </p:nvGrpSpPr>
@@ -7658,21 +7722,26 @@
       </p:grpSpPr>
       <p:sp>
         <p:nvSpPr>
-          <p:cNvPr id="2" name="Title 1">
-            <a:extLst>
-              <a:ext uri="{FF2B5EF4-FFF2-40B4-BE49-F238E27FC236}">
-                <a16:creationId xmlns:a16="http://schemas.microsoft.com/office/drawing/2014/main" id="{A541B6E5-8C81-CBDB-C51C-6331AAB1634B}"/>
-              </a:ext>
-            </a:extLst>
-          </p:cNvPr>
-          <p:cNvSpPr>
-            <a:spLocks noGrp="1"/>
-          </p:cNvSpPr>
-          <p:nvPr>
-            <p:ph type="title"/>
-          </p:nvPr>
-        </p:nvSpPr>
-        <p:spPr/>
+          <p:cNvPr id="7" name="Title 6">
+            <a:extLst>
+              <a:ext uri="{FF2B5EF4-FFF2-40B4-BE49-F238E27FC236}">
+                <a16:creationId xmlns:a16="http://schemas.microsoft.com/office/drawing/2014/main" id="{3A9D62D0-864E-2139-D314-FCF7330E6B78}"/>
+              </a:ext>
+            </a:extLst>
+          </p:cNvPr>
+          <p:cNvSpPr>
+            <a:spLocks noGrp="1"/>
+          </p:cNvSpPr>
+          <p:nvPr>
+            <p:ph type="ctrTitle"/>
+          </p:nvPr>
+        </p:nvSpPr>
+        <p:spPr>
+          <a:xfrm>
+            <a:off x="649044" y="753034"/>
+            <a:ext cx="6815446" cy="3887390"/>
+          </a:xfrm>
+        </p:spPr>
         <p:txBody>
           <a:bodyPr>
             <a:normAutofit fontScale="90000"/>
@@ -7681,211 +7750,225 @@
           <a:p>
             <a:r>
               <a:rPr lang="en-US" dirty="0"/>
-              <a:t>Connect coArchi to Remote Repo</a:t>
-            </a:r>
-          </a:p>
-        </p:txBody>
-      </p:sp>
-      <p:sp>
-        <p:nvSpPr>
-          <p:cNvPr id="3" name="Content Placeholder 2">
-            <a:extLst>
-              <a:ext uri="{FF2B5EF4-FFF2-40B4-BE49-F238E27FC236}">
-                <a16:creationId xmlns:a16="http://schemas.microsoft.com/office/drawing/2014/main" id="{E4B9E5E1-DE75-4D06-9A54-A8ADE0B6989C}"/>
-              </a:ext>
-            </a:extLst>
-          </p:cNvPr>
-          <p:cNvSpPr>
-            <a:spLocks noGrp="1"/>
-          </p:cNvSpPr>
-          <p:nvPr>
-            <p:ph sz="quarter" idx="14"/>
-          </p:nvPr>
-        </p:nvSpPr>
-        <p:spPr/>
+              <a:t>Practice of using Archi plug-in: coArchi</a:t>
+            </a:r>
+          </a:p>
+        </p:txBody>
+      </p:sp>
+      <p:sp>
+        <p:nvSpPr>
+          <p:cNvPr id="8" name="Subtitle 7">
+            <a:extLst>
+              <a:ext uri="{FF2B5EF4-FFF2-40B4-BE49-F238E27FC236}">
+                <a16:creationId xmlns:a16="http://schemas.microsoft.com/office/drawing/2014/main" id="{0D312947-1DFC-A710-7179-383AF8A27320}"/>
+              </a:ext>
+            </a:extLst>
+          </p:cNvPr>
+          <p:cNvSpPr>
+            <a:spLocks noGrp="1"/>
+          </p:cNvSpPr>
+          <p:nvPr>
+            <p:ph type="subTitle" idx="1"/>
+          </p:nvPr>
+        </p:nvSpPr>
+        <p:spPr>
+          <a:xfrm>
+            <a:off x="649045" y="4640424"/>
+            <a:ext cx="6437555" cy="1303176"/>
+          </a:xfrm>
+        </p:spPr>
         <p:txBody>
           <a:bodyPr/>
           <a:lstStyle/>
           <a:p>
             <a:r>
               <a:rPr lang="en-US" dirty="0"/>
-              <a:t>GitHub</a:t>
-            </a:r>
-          </a:p>
-          <a:p>
-            <a:endParaRPr lang="en-US" dirty="0"/>
-          </a:p>
-          <a:p>
-            <a:r>
-              <a:rPr lang="en-US" dirty="0"/>
-              <a:t>Azure DevOps</a:t>
-            </a:r>
-          </a:p>
-          <a:p>
-            <a:endParaRPr lang="en-US" dirty="0"/>
-          </a:p>
-          <a:p>
-            <a:r>
-              <a:rPr lang="en-US" dirty="0"/>
-              <a:t>Gitblit local server</a:t>
-            </a:r>
-          </a:p>
-        </p:txBody>
-      </p:sp>
-      <p:sp>
-        <p:nvSpPr>
-          <p:cNvPr id="4" name="Footer Placeholder 3">
-            <a:extLst>
-              <a:ext uri="{FF2B5EF4-FFF2-40B4-BE49-F238E27FC236}">
-                <a16:creationId xmlns:a16="http://schemas.microsoft.com/office/drawing/2014/main" id="{87104C49-755D-169D-F989-44D376385087}"/>
-              </a:ext>
-            </a:extLst>
-          </p:cNvPr>
-          <p:cNvSpPr>
-            <a:spLocks noGrp="1"/>
-          </p:cNvSpPr>
-          <p:nvPr>
-            <p:ph type="ftr" sz="quarter" idx="11"/>
-          </p:nvPr>
-        </p:nvSpPr>
-        <p:spPr/>
-        <p:txBody>
-          <a:bodyPr/>
+              <a:t>Xiaoqi Zhao</a:t>
+            </a:r>
+          </a:p>
+        </p:txBody>
+      </p:sp>
+      <p:pic>
+        <p:nvPicPr>
+          <p:cNvPr id="5" name="Picture Placeholder 4" descr="A picture containing mountain, sky, outdoor, nature, sunrise ">
+            <a:extLst>
+              <a:ext uri="{FF2B5EF4-FFF2-40B4-BE49-F238E27FC236}">
+                <a16:creationId xmlns:a16="http://schemas.microsoft.com/office/drawing/2014/main" id="{95CD8425-459E-A35E-3ADA-29C1A9E79FCF}"/>
+              </a:ext>
+            </a:extLst>
+          </p:cNvPr>
+          <p:cNvPicPr>
+            <a:picLocks noGrp="1" noChangeAspect="1"/>
+          </p:cNvPicPr>
+          <p:nvPr>
+            <p:ph type="pic" sz="quarter" idx="13"/>
+          </p:nvPr>
+        </p:nvPicPr>
+        <p:blipFill rotWithShape="1">
+          <a:blip r:embed="rId2" cstate="screen">
+            <a:extLst>
+              <a:ext uri="{28A0092B-C50C-407E-A947-70E740481C1C}">
+                <a14:useLocalDpi xmlns:a14="http://schemas.microsoft.com/office/drawing/2010/main" val="0"/>
+              </a:ext>
+            </a:extLst>
+          </a:blip>
+          <a:srcRect/>
+          <a:stretch/>
+        </p:blipFill>
+        <p:spPr>
+          <a:xfrm>
+            <a:off x="8113533" y="0"/>
+            <a:ext cx="4082983" cy="6858000"/>
+          </a:xfrm>
+        </p:spPr>
+      </p:pic>
+      <p:pic>
+        <p:nvPicPr>
+          <p:cNvPr id="3" name="Picture 2">
+            <a:extLst>
+              <a:ext uri="{FF2B5EF4-FFF2-40B4-BE49-F238E27FC236}">
+                <a16:creationId xmlns:a16="http://schemas.microsoft.com/office/drawing/2014/main" id="{8C399916-419B-F3DC-DC06-E16F3FE20253}"/>
+              </a:ext>
+            </a:extLst>
+          </p:cNvPr>
+          <p:cNvPicPr>
+            <a:picLocks noChangeAspect="1"/>
+          </p:cNvPicPr>
+          <p:nvPr/>
+        </p:nvPicPr>
+        <p:blipFill>
+          <a:blip r:embed="rId3"/>
+          <a:stretch>
+            <a:fillRect/>
+          </a:stretch>
+        </p:blipFill>
+        <p:spPr>
+          <a:xfrm>
+            <a:off x="8109019" y="-1"/>
+            <a:ext cx="4082982" cy="1681945"/>
+          </a:xfrm>
+          <a:prstGeom prst="rect">
+            <a:avLst/>
+          </a:prstGeom>
+          <a:ln>
+            <a:noFill/>
+          </a:ln>
+          <a:effectLst>
+            <a:softEdge rad="112500"/>
+          </a:effectLst>
+        </p:spPr>
+      </p:pic>
+      <p:pic>
+        <p:nvPicPr>
+          <p:cNvPr id="6" name="Picture 5">
+            <a:extLst>
+              <a:ext uri="{FF2B5EF4-FFF2-40B4-BE49-F238E27FC236}">
+                <a16:creationId xmlns:a16="http://schemas.microsoft.com/office/drawing/2014/main" id="{D908B6BD-131B-566E-1D15-3C901AD8A23E}"/>
+              </a:ext>
+            </a:extLst>
+          </p:cNvPr>
+          <p:cNvPicPr>
+            <a:picLocks noChangeAspect="1"/>
+          </p:cNvPicPr>
+          <p:nvPr/>
+        </p:nvPicPr>
+        <p:blipFill>
+          <a:blip r:embed="rId4"/>
+          <a:stretch>
+            <a:fillRect/>
+          </a:stretch>
+        </p:blipFill>
+        <p:spPr>
+          <a:xfrm>
+            <a:off x="4740340" y="4904816"/>
+            <a:ext cx="2724150" cy="1200150"/>
+          </a:xfrm>
+          <a:prstGeom prst="rect">
+            <a:avLst/>
+          </a:prstGeom>
+          <a:ln>
+            <a:noFill/>
+          </a:ln>
+          <a:effectLst>
+            <a:outerShdw blurRad="292100" dist="139700" dir="2700000" algn="tl" rotWithShape="0">
+              <a:srgbClr val="333333">
+                <a:alpha val="65000"/>
+              </a:srgbClr>
+            </a:outerShdw>
+          </a:effectLst>
+        </p:spPr>
+      </p:pic>
+      <p:pic>
+        <p:nvPicPr>
+          <p:cNvPr id="9" name="Picture 8">
+            <a:extLst>
+              <a:ext uri="{FF2B5EF4-FFF2-40B4-BE49-F238E27FC236}">
+                <a16:creationId xmlns:a16="http://schemas.microsoft.com/office/drawing/2014/main" id="{3141E7EE-601A-E81B-965A-FC678E2A9433}"/>
+              </a:ext>
+            </a:extLst>
+          </p:cNvPr>
+          <p:cNvPicPr>
+            <a:picLocks noChangeAspect="1"/>
+          </p:cNvPicPr>
+          <p:nvPr/>
+        </p:nvPicPr>
+        <p:blipFill>
+          <a:blip r:embed="rId5"/>
+          <a:stretch>
+            <a:fillRect/>
+          </a:stretch>
+        </p:blipFill>
+        <p:spPr>
+          <a:xfrm>
+            <a:off x="8745260" y="6020968"/>
+            <a:ext cx="2810500" cy="585267"/>
+          </a:xfrm>
+          <a:prstGeom prst="rect">
+            <a:avLst/>
+          </a:prstGeom>
+        </p:spPr>
+      </p:pic>
+      <p:sp>
+        <p:nvSpPr>
+          <p:cNvPr id="10" name="TextBox 9">
+            <a:extLst>
+              <a:ext uri="{FF2B5EF4-FFF2-40B4-BE49-F238E27FC236}">
+                <a16:creationId xmlns:a16="http://schemas.microsoft.com/office/drawing/2014/main" id="{224771FE-72F7-F218-2CDD-67B89A1D868D}"/>
+              </a:ext>
+            </a:extLst>
+          </p:cNvPr>
+          <p:cNvSpPr txBox="1"/>
+          <p:nvPr/>
+        </p:nvSpPr>
+        <p:spPr>
+          <a:xfrm>
+            <a:off x="8998880" y="3562086"/>
+            <a:ext cx="2303259" cy="707886"/>
+          </a:xfrm>
+          <a:prstGeom prst="rect">
+            <a:avLst/>
+          </a:prstGeom>
+          <a:noFill/>
+        </p:spPr>
+        <p:txBody>
+          <a:bodyPr wrap="none" rtlCol="0">
+            <a:spAutoFit/>
+          </a:bodyPr>
           <a:lstStyle/>
           <a:p>
-            <a:r>
-              <a:rPr lang="en-US"/>
-              <a:t>Practice of Using Archi plug-in - coArchi</a:t>
-            </a:r>
-            <a:endParaRPr lang="en-US" dirty="0"/>
-          </a:p>
-        </p:txBody>
-      </p:sp>
-      <p:sp>
-        <p:nvSpPr>
-          <p:cNvPr id="5" name="Date Placeholder 4">
-            <a:extLst>
-              <a:ext uri="{FF2B5EF4-FFF2-40B4-BE49-F238E27FC236}">
-                <a16:creationId xmlns:a16="http://schemas.microsoft.com/office/drawing/2014/main" id="{167B8FAC-3FC9-2460-E6D9-324E76E715A4}"/>
-              </a:ext>
-            </a:extLst>
-          </p:cNvPr>
-          <p:cNvSpPr>
-            <a:spLocks noGrp="1"/>
-          </p:cNvSpPr>
-          <p:nvPr>
-            <p:ph type="dt" sz="half" idx="10"/>
-          </p:nvPr>
-        </p:nvSpPr>
-        <p:spPr/>
-        <p:txBody>
-          <a:bodyPr/>
-          <a:lstStyle/>
-          <a:p>
-            <a:pPr>
-              <a:defRPr/>
-            </a:pPr>
-            <a:r>
-              <a:rPr lang="en-US">
+            <a:pPr algn="ctr"/>
+            <a:r>
+              <a:rPr lang="en-US" sz="4000" b="1">
                 <a:solidFill>
-                  <a:prstClr val="black"/>
+                  <a:schemeClr val="bg1"/>
                 </a:solidFill>
               </a:rPr>
-              <a:t>Feb., 2024</a:t>
-            </a:r>
-            <a:endParaRPr lang="en-US" dirty="0">
+              <a:t>Part Two</a:t>
+            </a:r>
+            <a:endParaRPr lang="en-US" sz="4000" b="1" dirty="0">
               <a:solidFill>
-                <a:prstClr val="black"/>
+                <a:schemeClr val="bg1"/>
               </a:solidFill>
-            </a:endParaRPr>
-          </a:p>
-        </p:txBody>
-      </p:sp>
-      <p:sp>
-        <p:nvSpPr>
-          <p:cNvPr id="6" name="Slide Number Placeholder 5">
-            <a:extLst>
-              <a:ext uri="{FF2B5EF4-FFF2-40B4-BE49-F238E27FC236}">
-                <a16:creationId xmlns:a16="http://schemas.microsoft.com/office/drawing/2014/main" id="{663C0662-403F-8554-2D94-531A6FD4E339}"/>
-              </a:ext>
-            </a:extLst>
-          </p:cNvPr>
-          <p:cNvSpPr>
-            <a:spLocks noGrp="1"/>
-          </p:cNvSpPr>
-          <p:nvPr>
-            <p:ph type="sldNum" sz="quarter" idx="12"/>
-          </p:nvPr>
-        </p:nvSpPr>
-        <p:spPr/>
-        <p:txBody>
-          <a:bodyPr/>
-          <a:lstStyle/>
-          <a:p>
-            <a:pPr marL="0" marR="0" lvl="0" indent="0" algn="r" defTabSz="914400" rtl="0" eaLnBrk="1" fontAlgn="auto" latinLnBrk="0" hangingPunct="1">
-              <a:lnSpc>
-                <a:spcPct val="100000"/>
-              </a:lnSpc>
-              <a:spcBef>
-                <a:spcPts val="0"/>
-              </a:spcBef>
-              <a:spcAft>
-                <a:spcPts val="0"/>
-              </a:spcAft>
-              <a:buClrTx/>
-              <a:buSzTx/>
-              <a:buFontTx/>
-              <a:buNone/>
-              <a:tabLst/>
-              <a:defRPr/>
-            </a:pPr>
-            <a:fld id="{06B786C7-B8F9-4072-AAAA-17258464D730}" type="slidenum">
-              <a:rPr kumimoji="0" lang="en-US" sz="1050" b="0" i="0" u="none" strike="noStrike" kern="1200" cap="none" spc="0" normalizeH="0" baseline="0" noProof="0" smtClean="0">
-                <a:ln>
-                  <a:noFill/>
-                </a:ln>
-                <a:solidFill>
-                  <a:prstClr val="black"/>
-                </a:solidFill>
-                <a:effectLst/>
-                <a:uLnTx/>
-                <a:uFillTx/>
-                <a:latin typeface="Avenir Next LT Pro"/>
-                <a:ea typeface="+mn-ea"/>
-                <a:cs typeface="+mn-cs"/>
-              </a:rPr>
-              <a:pPr marL="0" marR="0" lvl="0" indent="0" algn="r" defTabSz="914400" rtl="0" eaLnBrk="1" fontAlgn="auto" latinLnBrk="0" hangingPunct="1">
-                <a:lnSpc>
-                  <a:spcPct val="100000"/>
-                </a:lnSpc>
-                <a:spcBef>
-                  <a:spcPts val="0"/>
-                </a:spcBef>
-                <a:spcAft>
-                  <a:spcPts val="0"/>
-                </a:spcAft>
-                <a:buClrTx/>
-                <a:buSzTx/>
-                <a:buFontTx/>
-                <a:buNone/>
-                <a:tabLst/>
-                <a:defRPr/>
-              </a:pPr>
-              <a:t>5</a:t>
-            </a:fld>
-            <a:endParaRPr kumimoji="0" lang="en-US" sz="1050" b="0" i="0" u="none" strike="noStrike" kern="1200" cap="none" spc="0" normalizeH="0" baseline="0" noProof="0" dirty="0">
-              <a:ln>
-                <a:noFill/>
-              </a:ln>
-              <a:solidFill>
-                <a:prstClr val="black"/>
-              </a:solidFill>
-              <a:effectLst/>
-              <a:uLnTx/>
-              <a:uFillTx/>
-              <a:latin typeface="Avenir Next LT Pro"/>
-              <a:ea typeface="+mn-ea"/>
-              <a:cs typeface="+mn-cs"/>
             </a:endParaRPr>
           </a:p>
         </p:txBody>
@@ -7893,7 +7976,7 @@
     </p:spTree>
     <p:extLst>
       <p:ext uri="{BB962C8B-B14F-4D97-AF65-F5344CB8AC3E}">
-        <p14:creationId xmlns:p14="http://schemas.microsoft.com/office/powerpoint/2010/main" val="3825145434"/>
+        <p14:creationId xmlns:p14="http://schemas.microsoft.com/office/powerpoint/2010/main" val="2020955363"/>
       </p:ext>
     </p:extLst>
   </p:cSld>
@@ -9023,6 +9106,253 @@
     <p:extLst>
       <p:ext uri="{BB962C8B-B14F-4D97-AF65-F5344CB8AC3E}">
         <p14:creationId xmlns:p14="http://schemas.microsoft.com/office/powerpoint/2010/main" val="1778266238"/>
+      </p:ext>
+    </p:extLst>
+  </p:cSld>
+  <p:clrMapOvr>
+    <a:masterClrMapping/>
+  </p:clrMapOvr>
+</p:sld>
+</file>
+
+<file path=ppt/slides/slide9.xml><?xml version="1.0" encoding="utf-8"?>
+<p:sld xmlns:a="http://schemas.openxmlformats.org/drawingml/2006/main" xmlns:r="http://schemas.openxmlformats.org/officeDocument/2006/relationships" xmlns:p="http://schemas.openxmlformats.org/presentationml/2006/main">
+  <p:cSld>
+    <p:spTree>
+      <p:nvGrpSpPr>
+        <p:cNvPr id="1" name=""/>
+        <p:cNvGrpSpPr/>
+        <p:nvPr/>
+      </p:nvGrpSpPr>
+      <p:grpSpPr>
+        <a:xfrm>
+          <a:off x="0" y="0"/>
+          <a:ext cx="0" cy="0"/>
+          <a:chOff x="0" y="0"/>
+          <a:chExt cx="0" cy="0"/>
+        </a:xfrm>
+      </p:grpSpPr>
+      <p:sp>
+        <p:nvSpPr>
+          <p:cNvPr id="2" name="Title 1">
+            <a:extLst>
+              <a:ext uri="{FF2B5EF4-FFF2-40B4-BE49-F238E27FC236}">
+                <a16:creationId xmlns:a16="http://schemas.microsoft.com/office/drawing/2014/main" id="{58BA1275-AFB9-2AD3-FC08-D73EA6CD2196}"/>
+              </a:ext>
+            </a:extLst>
+          </p:cNvPr>
+          <p:cNvSpPr>
+            <a:spLocks noGrp="1"/>
+          </p:cNvSpPr>
+          <p:nvPr>
+            <p:ph type="title"/>
+          </p:nvPr>
+        </p:nvSpPr>
+        <p:spPr/>
+        <p:txBody>
+          <a:bodyPr>
+            <a:normAutofit fontScale="90000"/>
+          </a:bodyPr>
+          <a:lstStyle/>
+          <a:p>
+            <a:r>
+              <a:rPr lang="en-US" dirty="0"/>
+              <a:t>More Reflections – Performance</a:t>
+            </a:r>
+          </a:p>
+        </p:txBody>
+      </p:sp>
+      <p:pic>
+        <p:nvPicPr>
+          <p:cNvPr id="8" name="Content Placeholder 7">
+            <a:extLst>
+              <a:ext uri="{FF2B5EF4-FFF2-40B4-BE49-F238E27FC236}">
+                <a16:creationId xmlns:a16="http://schemas.microsoft.com/office/drawing/2014/main" id="{EC587B67-99FF-9303-6346-3E4D88B8DFF1}"/>
+              </a:ext>
+            </a:extLst>
+          </p:cNvPr>
+          <p:cNvPicPr>
+            <a:picLocks noGrp="1" noChangeAspect="1"/>
+          </p:cNvPicPr>
+          <p:nvPr>
+            <p:ph sz="quarter" idx="14"/>
+          </p:nvPr>
+        </p:nvPicPr>
+        <p:blipFill>
+          <a:blip r:embed="rId2"/>
+          <a:stretch>
+            <a:fillRect/>
+          </a:stretch>
+        </p:blipFill>
+        <p:spPr>
+          <a:xfrm>
+            <a:off x="1150070" y="1295923"/>
+            <a:ext cx="9539926" cy="4931937"/>
+          </a:xfrm>
+        </p:spPr>
+      </p:pic>
+      <p:sp>
+        <p:nvSpPr>
+          <p:cNvPr id="4" name="Footer Placeholder 3">
+            <a:extLst>
+              <a:ext uri="{FF2B5EF4-FFF2-40B4-BE49-F238E27FC236}">
+                <a16:creationId xmlns:a16="http://schemas.microsoft.com/office/drawing/2014/main" id="{7F06ECBA-82F9-F79A-C12B-0AA86F7287CF}"/>
+              </a:ext>
+            </a:extLst>
+          </p:cNvPr>
+          <p:cNvSpPr>
+            <a:spLocks noGrp="1"/>
+          </p:cNvSpPr>
+          <p:nvPr>
+            <p:ph type="ftr" sz="quarter" idx="11"/>
+          </p:nvPr>
+        </p:nvSpPr>
+        <p:spPr/>
+        <p:txBody>
+          <a:bodyPr/>
+          <a:lstStyle/>
+          <a:p>
+            <a:r>
+              <a:rPr lang="en-US"/>
+              <a:t>Practice of Using Archi plug-in - coArchi</a:t>
+            </a:r>
+            <a:endParaRPr lang="en-US" dirty="0"/>
+          </a:p>
+        </p:txBody>
+      </p:sp>
+      <p:sp>
+        <p:nvSpPr>
+          <p:cNvPr id="5" name="Date Placeholder 4">
+            <a:extLst>
+              <a:ext uri="{FF2B5EF4-FFF2-40B4-BE49-F238E27FC236}">
+                <a16:creationId xmlns:a16="http://schemas.microsoft.com/office/drawing/2014/main" id="{D55D0A54-D4E8-4270-E52E-8186B08FC403}"/>
+              </a:ext>
+            </a:extLst>
+          </p:cNvPr>
+          <p:cNvSpPr>
+            <a:spLocks noGrp="1"/>
+          </p:cNvSpPr>
+          <p:nvPr>
+            <p:ph type="dt" sz="half" idx="10"/>
+          </p:nvPr>
+        </p:nvSpPr>
+        <p:spPr/>
+        <p:txBody>
+          <a:bodyPr/>
+          <a:lstStyle/>
+          <a:p>
+            <a:pPr>
+              <a:defRPr/>
+            </a:pPr>
+            <a:r>
+              <a:rPr lang="en-US">
+                <a:solidFill>
+                  <a:prstClr val="black"/>
+                </a:solidFill>
+              </a:rPr>
+              <a:t>Feb., 2024</a:t>
+            </a:r>
+            <a:endParaRPr lang="en-US" dirty="0">
+              <a:solidFill>
+                <a:prstClr val="black"/>
+              </a:solidFill>
+            </a:endParaRPr>
+          </a:p>
+        </p:txBody>
+      </p:sp>
+      <p:sp>
+        <p:nvSpPr>
+          <p:cNvPr id="6" name="Slide Number Placeholder 5">
+            <a:extLst>
+              <a:ext uri="{FF2B5EF4-FFF2-40B4-BE49-F238E27FC236}">
+                <a16:creationId xmlns:a16="http://schemas.microsoft.com/office/drawing/2014/main" id="{9FACA1FA-ADDB-D2BD-B405-BA4520B9AAFB}"/>
+              </a:ext>
+            </a:extLst>
+          </p:cNvPr>
+          <p:cNvSpPr>
+            <a:spLocks noGrp="1"/>
+          </p:cNvSpPr>
+          <p:nvPr>
+            <p:ph type="sldNum" sz="quarter" idx="12"/>
+          </p:nvPr>
+        </p:nvSpPr>
+        <p:spPr/>
+        <p:txBody>
+          <a:bodyPr/>
+          <a:lstStyle/>
+          <a:p>
+            <a:pPr marL="0" marR="0" lvl="0" indent="0" algn="r" defTabSz="914400" rtl="0" eaLnBrk="1" fontAlgn="auto" latinLnBrk="0" hangingPunct="1">
+              <a:lnSpc>
+                <a:spcPct val="100000"/>
+              </a:lnSpc>
+              <a:spcBef>
+                <a:spcPts val="0"/>
+              </a:spcBef>
+              <a:spcAft>
+                <a:spcPts val="0"/>
+              </a:spcAft>
+              <a:buClrTx/>
+              <a:buSzTx/>
+              <a:buFontTx/>
+              <a:buNone/>
+              <a:tabLst/>
+              <a:defRPr/>
+            </a:pPr>
+            <a:fld id="{06B786C7-B8F9-4072-AAAA-17258464D730}" type="slidenum">
+              <a:rPr kumimoji="0" lang="en-US" sz="1050" b="0" i="0" u="none" strike="noStrike" kern="1200" cap="none" spc="0" normalizeH="0" baseline="0" noProof="0" smtClean="0">
+                <a:ln>
+                  <a:noFill/>
+                </a:ln>
+                <a:solidFill>
+                  <a:prstClr val="black"/>
+                </a:solidFill>
+                <a:effectLst/>
+                <a:uLnTx/>
+                <a:uFillTx/>
+                <a:latin typeface="Avenir Next LT Pro"/>
+                <a:ea typeface="+mn-ea"/>
+                <a:cs typeface="+mn-cs"/>
+              </a:rPr>
+              <a:pPr marL="0" marR="0" lvl="0" indent="0" algn="r" defTabSz="914400" rtl="0" eaLnBrk="1" fontAlgn="auto" latinLnBrk="0" hangingPunct="1">
+                <a:lnSpc>
+                  <a:spcPct val="100000"/>
+                </a:lnSpc>
+                <a:spcBef>
+                  <a:spcPts val="0"/>
+                </a:spcBef>
+                <a:spcAft>
+                  <a:spcPts val="0"/>
+                </a:spcAft>
+                <a:buClrTx/>
+                <a:buSzTx/>
+                <a:buFontTx/>
+                <a:buNone/>
+                <a:tabLst/>
+                <a:defRPr/>
+              </a:pPr>
+              <a:t>9</a:t>
+            </a:fld>
+            <a:endParaRPr kumimoji="0" lang="en-US" sz="1050" b="0" i="0" u="none" strike="noStrike" kern="1200" cap="none" spc="0" normalizeH="0" baseline="0" noProof="0" dirty="0">
+              <a:ln>
+                <a:noFill/>
+              </a:ln>
+              <a:solidFill>
+                <a:prstClr val="black"/>
+              </a:solidFill>
+              <a:effectLst/>
+              <a:uLnTx/>
+              <a:uFillTx/>
+              <a:latin typeface="Avenir Next LT Pro"/>
+              <a:ea typeface="+mn-ea"/>
+              <a:cs typeface="+mn-cs"/>
+            </a:endParaRPr>
+          </a:p>
+        </p:txBody>
+      </p:sp>
+    </p:spTree>
+    <p:extLst>
+      <p:ext uri="{BB962C8B-B14F-4D97-AF65-F5344CB8AC3E}">
+        <p14:creationId xmlns:p14="http://schemas.microsoft.com/office/powerpoint/2010/main" val="183745645"/>
       </p:ext>
     </p:extLst>
   </p:cSld>

--- a/architool/Using-coArchi.pptx
+++ b/architool/Using-coArchi.pptx
@@ -13,8 +13,8 @@
   <p:sldIdLst>
     <p:sldId id="256" r:id="rId5"/>
     <p:sldId id="257" r:id="rId6"/>
-    <p:sldId id="262" r:id="rId7"/>
-    <p:sldId id="258" r:id="rId8"/>
+    <p:sldId id="258" r:id="rId7"/>
+    <p:sldId id="262" r:id="rId8"/>
     <p:sldId id="264" r:id="rId9"/>
     <p:sldId id="259" r:id="rId10"/>
     <p:sldId id="260" r:id="rId11"/>
@@ -6338,8 +6338,8 @@
         </p:nvSpPr>
         <p:spPr>
           <a:xfrm>
-            <a:off x="8973681" y="3562086"/>
-            <a:ext cx="2353658" cy="707886"/>
+            <a:off x="8269387" y="3562086"/>
+            <a:ext cx="3762248" cy="1107996"/>
           </a:xfrm>
           <a:prstGeom prst="rect">
             <a:avLst/>
@@ -6354,7 +6354,7 @@
           <a:p>
             <a:pPr algn="ctr"/>
             <a:r>
-              <a:rPr lang="en-US" sz="4000" b="1" dirty="0">
+              <a:rPr lang="en-US" sz="6600" b="1" dirty="0">
                 <a:solidFill>
                   <a:schemeClr val="bg1"/>
                 </a:solidFill>
@@ -6861,7 +6861,7 @@
           <p:cNvPr id="2" name="Title 1">
             <a:extLst>
               <a:ext uri="{FF2B5EF4-FFF2-40B4-BE49-F238E27FC236}">
-                <a16:creationId xmlns:a16="http://schemas.microsoft.com/office/drawing/2014/main" id="{A541B6E5-8C81-CBDB-C51C-6331AAB1634B}"/>
+                <a16:creationId xmlns:a16="http://schemas.microsoft.com/office/drawing/2014/main" id="{1CEC376B-AF95-23BA-1CD1-87A3B65D5AA1}"/>
               </a:ext>
             </a:extLst>
           </p:cNvPr>
@@ -6875,13 +6875,13 @@
         <p:spPr/>
         <p:txBody>
           <a:bodyPr>
-            <a:normAutofit fontScale="90000"/>
+            <a:noAutofit/>
           </a:bodyPr>
           <a:lstStyle/>
           <a:p>
             <a:r>
-              <a:rPr lang="en-US" dirty="0"/>
-              <a:t>Connect coArchi to Remote Repo</a:t>
+              <a:rPr lang="en-US" sz="3600" dirty="0"/>
+              <a:t>coArchi – Model Collaboration for Archi</a:t>
             </a:r>
           </a:p>
         </p:txBody>
@@ -6891,7 +6891,7 @@
           <p:cNvPr id="3" name="Content Placeholder 2">
             <a:extLst>
               <a:ext uri="{FF2B5EF4-FFF2-40B4-BE49-F238E27FC236}">
-                <a16:creationId xmlns:a16="http://schemas.microsoft.com/office/drawing/2014/main" id="{E4B9E5E1-DE75-4D06-9A54-A8ADE0B6989C}"/>
+                <a16:creationId xmlns:a16="http://schemas.microsoft.com/office/drawing/2014/main" id="{FC02ABEF-F848-FCC2-5FB8-F2BEBD92B320}"/>
               </a:ext>
             </a:extLst>
           </p:cNvPr>
@@ -6902,33 +6902,56 @@
             <p:ph sz="quarter" idx="14"/>
           </p:nvPr>
         </p:nvSpPr>
-        <p:spPr/>
+        <p:spPr>
+          <a:xfrm>
+            <a:off x="931863" y="1695450"/>
+            <a:ext cx="10328275" cy="1641311"/>
+          </a:xfrm>
+        </p:spPr>
         <p:txBody>
           <a:bodyPr/>
           <a:lstStyle/>
           <a:p>
             <a:r>
               <a:rPr lang="en-US" dirty="0"/>
-              <a:t>GitHub</a:t>
-            </a:r>
-          </a:p>
-          <a:p>
+              <a:t>Get coArchi from </a:t>
+            </a:r>
+            <a:r>
+              <a:rPr lang="en-US" dirty="0">
+                <a:hlinkClick r:id="rId2"/>
+              </a:rPr>
+              <a:t>https://www.archimatetool.com/plugins/</a:t>
+            </a:r>
             <a:endParaRPr lang="en-US" dirty="0"/>
           </a:p>
           <a:p>
             <a:r>
               <a:rPr lang="en-US" dirty="0"/>
-              <a:t>Azure DevOps</a:t>
-            </a:r>
-          </a:p>
-          <a:p>
+              <a:t>GitHub project: </a:t>
+            </a:r>
+            <a:r>
+              <a:rPr lang="en-US" sz="2000" dirty="0">
+                <a:hlinkClick r:id="rId3"/>
+              </a:rPr>
+              <a:t>https://github.com/archimatetool/archi-modelrepository-plugin</a:t>
+            </a:r>
             <a:endParaRPr lang="en-US" dirty="0"/>
           </a:p>
           <a:p>
             <a:r>
               <a:rPr lang="en-US" dirty="0"/>
-              <a:t>Gitblit local server</a:t>
-            </a:r>
+              <a:t>Wiki page: </a:t>
+            </a:r>
+            <a:r>
+              <a:rPr lang="en-US" sz="2000" dirty="0">
+                <a:hlinkClick r:id="rId4"/>
+              </a:rPr>
+              <a:t>https://github.com/archimatetool/archi-modelrepository-plugin/wiki</a:t>
+            </a:r>
+            <a:endParaRPr lang="en-US" dirty="0"/>
+          </a:p>
+          <a:p>
+            <a:endParaRPr lang="en-US" dirty="0"/>
           </a:p>
         </p:txBody>
       </p:sp>
@@ -6937,7 +6960,7 @@
           <p:cNvPr id="4" name="Footer Placeholder 3">
             <a:extLst>
               <a:ext uri="{FF2B5EF4-FFF2-40B4-BE49-F238E27FC236}">
-                <a16:creationId xmlns:a16="http://schemas.microsoft.com/office/drawing/2014/main" id="{87104C49-755D-169D-F989-44D376385087}"/>
+                <a16:creationId xmlns:a16="http://schemas.microsoft.com/office/drawing/2014/main" id="{F1DB55C9-4170-1CA3-B0EC-9D798C11486B}"/>
               </a:ext>
             </a:extLst>
           </p:cNvPr>
@@ -6966,7 +6989,7 @@
           <p:cNvPr id="5" name="Date Placeholder 4">
             <a:extLst>
               <a:ext uri="{FF2B5EF4-FFF2-40B4-BE49-F238E27FC236}">
-                <a16:creationId xmlns:a16="http://schemas.microsoft.com/office/drawing/2014/main" id="{167B8FAC-3FC9-2460-E6D9-324E76E715A4}"/>
+                <a16:creationId xmlns:a16="http://schemas.microsoft.com/office/drawing/2014/main" id="{FB2805F1-7351-3079-2B47-C67AECCCCEB7}"/>
               </a:ext>
             </a:extLst>
           </p:cNvPr>
@@ -7006,7 +7029,7 @@
           <p:cNvPr id="6" name="Slide Number Placeholder 5">
             <a:extLst>
               <a:ext uri="{FF2B5EF4-FFF2-40B4-BE49-F238E27FC236}">
-                <a16:creationId xmlns:a16="http://schemas.microsoft.com/office/drawing/2014/main" id="{663C0662-403F-8554-2D94-531A6FD4E339}"/>
+                <a16:creationId xmlns:a16="http://schemas.microsoft.com/office/drawing/2014/main" id="{D8F980BB-B304-8A31-25B3-FE5F6AC6C109}"/>
               </a:ext>
             </a:extLst>
           </p:cNvPr>
@@ -7072,293 +7095,6 @@
                 <a:defRPr/>
               </a:pPr>
               <a:t>3</a:t>
-            </a:fld>
-            <a:endParaRPr kumimoji="0" lang="en-US" sz="1050" b="0" i="0" u="none" strike="noStrike" kern="1200" cap="none" spc="0" normalizeH="0" baseline="0" noProof="0" dirty="0">
-              <a:ln>
-                <a:noFill/>
-              </a:ln>
-              <a:solidFill>
-                <a:prstClr val="black"/>
-              </a:solidFill>
-              <a:effectLst/>
-              <a:uLnTx/>
-              <a:uFillTx/>
-              <a:latin typeface="Avenir Next LT Pro"/>
-              <a:ea typeface="+mn-ea"/>
-              <a:cs typeface="+mn-cs"/>
-            </a:endParaRPr>
-          </a:p>
-        </p:txBody>
-      </p:sp>
-    </p:spTree>
-    <p:extLst>
-      <p:ext uri="{BB962C8B-B14F-4D97-AF65-F5344CB8AC3E}">
-        <p14:creationId xmlns:p14="http://schemas.microsoft.com/office/powerpoint/2010/main" val="3825145434"/>
-      </p:ext>
-    </p:extLst>
-  </p:cSld>
-  <p:clrMapOvr>
-    <a:masterClrMapping/>
-  </p:clrMapOvr>
-</p:sld>
-</file>
-
-<file path=ppt/slides/slide4.xml><?xml version="1.0" encoding="utf-8"?>
-<p:sld xmlns:a="http://schemas.openxmlformats.org/drawingml/2006/main" xmlns:r="http://schemas.openxmlformats.org/officeDocument/2006/relationships" xmlns:p="http://schemas.openxmlformats.org/presentationml/2006/main">
-  <p:cSld>
-    <p:spTree>
-      <p:nvGrpSpPr>
-        <p:cNvPr id="1" name=""/>
-        <p:cNvGrpSpPr/>
-        <p:nvPr/>
-      </p:nvGrpSpPr>
-      <p:grpSpPr>
-        <a:xfrm>
-          <a:off x="0" y="0"/>
-          <a:ext cx="0" cy="0"/>
-          <a:chOff x="0" y="0"/>
-          <a:chExt cx="0" cy="0"/>
-        </a:xfrm>
-      </p:grpSpPr>
-      <p:sp>
-        <p:nvSpPr>
-          <p:cNvPr id="2" name="Title 1">
-            <a:extLst>
-              <a:ext uri="{FF2B5EF4-FFF2-40B4-BE49-F238E27FC236}">
-                <a16:creationId xmlns:a16="http://schemas.microsoft.com/office/drawing/2014/main" id="{1CEC376B-AF95-23BA-1CD1-87A3B65D5AA1}"/>
-              </a:ext>
-            </a:extLst>
-          </p:cNvPr>
-          <p:cNvSpPr>
-            <a:spLocks noGrp="1"/>
-          </p:cNvSpPr>
-          <p:nvPr>
-            <p:ph type="title"/>
-          </p:nvPr>
-        </p:nvSpPr>
-        <p:spPr/>
-        <p:txBody>
-          <a:bodyPr>
-            <a:noAutofit/>
-          </a:bodyPr>
-          <a:lstStyle/>
-          <a:p>
-            <a:r>
-              <a:rPr lang="en-US" sz="3600" dirty="0"/>
-              <a:t>coArchi – Model Collaboration for Archi</a:t>
-            </a:r>
-          </a:p>
-        </p:txBody>
-      </p:sp>
-      <p:sp>
-        <p:nvSpPr>
-          <p:cNvPr id="3" name="Content Placeholder 2">
-            <a:extLst>
-              <a:ext uri="{FF2B5EF4-FFF2-40B4-BE49-F238E27FC236}">
-                <a16:creationId xmlns:a16="http://schemas.microsoft.com/office/drawing/2014/main" id="{FC02ABEF-F848-FCC2-5FB8-F2BEBD92B320}"/>
-              </a:ext>
-            </a:extLst>
-          </p:cNvPr>
-          <p:cNvSpPr>
-            <a:spLocks noGrp="1"/>
-          </p:cNvSpPr>
-          <p:nvPr>
-            <p:ph sz="quarter" idx="14"/>
-          </p:nvPr>
-        </p:nvSpPr>
-        <p:spPr>
-          <a:xfrm>
-            <a:off x="931863" y="1695450"/>
-            <a:ext cx="10328275" cy="1641311"/>
-          </a:xfrm>
-        </p:spPr>
-        <p:txBody>
-          <a:bodyPr/>
-          <a:lstStyle/>
-          <a:p>
-            <a:r>
-              <a:rPr lang="en-US" dirty="0"/>
-              <a:t>Get coArchi from </a:t>
-            </a:r>
-            <a:r>
-              <a:rPr lang="en-US" dirty="0">
-                <a:hlinkClick r:id="rId2"/>
-              </a:rPr>
-              <a:t>https://www.archimatetool.com/plugins/</a:t>
-            </a:r>
-            <a:endParaRPr lang="en-US" dirty="0"/>
-          </a:p>
-          <a:p>
-            <a:r>
-              <a:rPr lang="en-US" dirty="0"/>
-              <a:t>GitHub project: </a:t>
-            </a:r>
-            <a:r>
-              <a:rPr lang="en-US" sz="2000" dirty="0">
-                <a:hlinkClick r:id="rId3"/>
-              </a:rPr>
-              <a:t>https://github.com/archimatetool/archi-modelrepository-plugin</a:t>
-            </a:r>
-            <a:endParaRPr lang="en-US" dirty="0"/>
-          </a:p>
-          <a:p>
-            <a:r>
-              <a:rPr lang="en-US" dirty="0"/>
-              <a:t>Wiki page: </a:t>
-            </a:r>
-            <a:r>
-              <a:rPr lang="en-US" sz="2000" dirty="0">
-                <a:hlinkClick r:id="rId4"/>
-              </a:rPr>
-              <a:t>https://github.com/archimatetool/archi-modelrepository-plugin/wiki</a:t>
-            </a:r>
-            <a:endParaRPr lang="en-US" dirty="0"/>
-          </a:p>
-          <a:p>
-            <a:endParaRPr lang="en-US" dirty="0"/>
-          </a:p>
-        </p:txBody>
-      </p:sp>
-      <p:sp>
-        <p:nvSpPr>
-          <p:cNvPr id="4" name="Footer Placeholder 3">
-            <a:extLst>
-              <a:ext uri="{FF2B5EF4-FFF2-40B4-BE49-F238E27FC236}">
-                <a16:creationId xmlns:a16="http://schemas.microsoft.com/office/drawing/2014/main" id="{F1DB55C9-4170-1CA3-B0EC-9D798C11486B}"/>
-              </a:ext>
-            </a:extLst>
-          </p:cNvPr>
-          <p:cNvSpPr>
-            <a:spLocks noGrp="1"/>
-          </p:cNvSpPr>
-          <p:nvPr>
-            <p:ph type="ftr" sz="quarter" idx="11"/>
-          </p:nvPr>
-        </p:nvSpPr>
-        <p:spPr/>
-        <p:txBody>
-          <a:bodyPr/>
-          <a:lstStyle/>
-          <a:p>
-            <a:r>
-              <a:rPr lang="en-US"/>
-              <a:t>Practice of Using Archi plug-in - coArchi</a:t>
-            </a:r>
-            <a:endParaRPr lang="en-US" dirty="0"/>
-          </a:p>
-        </p:txBody>
-      </p:sp>
-      <p:sp>
-        <p:nvSpPr>
-          <p:cNvPr id="5" name="Date Placeholder 4">
-            <a:extLst>
-              <a:ext uri="{FF2B5EF4-FFF2-40B4-BE49-F238E27FC236}">
-                <a16:creationId xmlns:a16="http://schemas.microsoft.com/office/drawing/2014/main" id="{FB2805F1-7351-3079-2B47-C67AECCCCEB7}"/>
-              </a:ext>
-            </a:extLst>
-          </p:cNvPr>
-          <p:cNvSpPr>
-            <a:spLocks noGrp="1"/>
-          </p:cNvSpPr>
-          <p:nvPr>
-            <p:ph type="dt" sz="half" idx="10"/>
-          </p:nvPr>
-        </p:nvSpPr>
-        <p:spPr/>
-        <p:txBody>
-          <a:bodyPr/>
-          <a:lstStyle/>
-          <a:p>
-            <a:pPr>
-              <a:defRPr/>
-            </a:pPr>
-            <a:r>
-              <a:rPr lang="en-US">
-                <a:solidFill>
-                  <a:prstClr val="black"/>
-                </a:solidFill>
-              </a:rPr>
-              <a:t>Feb., 2024</a:t>
-            </a:r>
-            <a:endParaRPr lang="en-US" dirty="0">
-              <a:solidFill>
-                <a:prstClr val="black"/>
-              </a:solidFill>
-            </a:endParaRPr>
-          </a:p>
-        </p:txBody>
-      </p:sp>
-      <p:sp>
-        <p:nvSpPr>
-          <p:cNvPr id="6" name="Slide Number Placeholder 5">
-            <a:extLst>
-              <a:ext uri="{FF2B5EF4-FFF2-40B4-BE49-F238E27FC236}">
-                <a16:creationId xmlns:a16="http://schemas.microsoft.com/office/drawing/2014/main" id="{D8F980BB-B304-8A31-25B3-FE5F6AC6C109}"/>
-              </a:ext>
-            </a:extLst>
-          </p:cNvPr>
-          <p:cNvSpPr>
-            <a:spLocks noGrp="1"/>
-          </p:cNvSpPr>
-          <p:nvPr>
-            <p:ph type="sldNum" sz="quarter" idx="12"/>
-          </p:nvPr>
-        </p:nvSpPr>
-        <p:spPr/>
-        <p:txBody>
-          <a:bodyPr/>
-          <a:lstStyle/>
-          <a:p>
-            <a:pPr marL="0" marR="0" lvl="0" indent="0" algn="r" defTabSz="914400" rtl="0" eaLnBrk="1" fontAlgn="auto" latinLnBrk="0" hangingPunct="1">
-              <a:lnSpc>
-                <a:spcPct val="100000"/>
-              </a:lnSpc>
-              <a:spcBef>
-                <a:spcPts val="0"/>
-              </a:spcBef>
-              <a:spcAft>
-                <a:spcPts val="0"/>
-              </a:spcAft>
-              <a:buClrTx/>
-              <a:buSzTx/>
-              <a:buFontTx/>
-              <a:buNone/>
-              <a:tabLst/>
-              <a:defRPr/>
-            </a:pPr>
-            <a:fld id="{06B786C7-B8F9-4072-AAAA-17258464D730}" type="slidenum">
-              <a:rPr kumimoji="0" lang="en-US" sz="1050" b="0" i="0" u="none" strike="noStrike" kern="1200" cap="none" spc="0" normalizeH="0" baseline="0" noProof="0" smtClean="0">
-                <a:ln>
-                  <a:noFill/>
-                </a:ln>
-                <a:solidFill>
-                  <a:prstClr val="black"/>
-                </a:solidFill>
-                <a:effectLst/>
-                <a:uLnTx/>
-                <a:uFillTx/>
-                <a:latin typeface="Avenir Next LT Pro"/>
-                <a:ea typeface="+mn-ea"/>
-                <a:cs typeface="+mn-cs"/>
-              </a:rPr>
-              <a:pPr marL="0" marR="0" lvl="0" indent="0" algn="r" defTabSz="914400" rtl="0" eaLnBrk="1" fontAlgn="auto" latinLnBrk="0" hangingPunct="1">
-                <a:lnSpc>
-                  <a:spcPct val="100000"/>
-                </a:lnSpc>
-                <a:spcBef>
-                  <a:spcPts val="0"/>
-                </a:spcBef>
-                <a:spcAft>
-                  <a:spcPts val="0"/>
-                </a:spcAft>
-                <a:buClrTx/>
-                <a:buSzTx/>
-                <a:buFontTx/>
-                <a:buNone/>
-                <a:tabLst/>
-                <a:defRPr/>
-              </a:pPr>
-              <a:t>4</a:t>
             </a:fld>
             <a:endParaRPr kumimoji="0" lang="en-US" sz="1050" b="0" i="0" u="none" strike="noStrike" kern="1200" cap="none" spc="0" normalizeH="0" baseline="0" noProof="0" dirty="0">
               <a:ln>
@@ -7697,6 +7433,597 @@
 </p:sld>
 </file>
 
+<file path=ppt/slides/slide4.xml><?xml version="1.0" encoding="utf-8"?>
+<p:sld xmlns:a="http://schemas.openxmlformats.org/drawingml/2006/main" xmlns:r="http://schemas.openxmlformats.org/officeDocument/2006/relationships" xmlns:p="http://schemas.openxmlformats.org/presentationml/2006/main">
+  <p:cSld>
+    <p:spTree>
+      <p:nvGrpSpPr>
+        <p:cNvPr id="1" name=""/>
+        <p:cNvGrpSpPr/>
+        <p:nvPr/>
+      </p:nvGrpSpPr>
+      <p:grpSpPr>
+        <a:xfrm>
+          <a:off x="0" y="0"/>
+          <a:ext cx="0" cy="0"/>
+          <a:chOff x="0" y="0"/>
+          <a:chExt cx="0" cy="0"/>
+        </a:xfrm>
+      </p:grpSpPr>
+      <p:sp>
+        <p:nvSpPr>
+          <p:cNvPr id="2" name="Title 1">
+            <a:extLst>
+              <a:ext uri="{FF2B5EF4-FFF2-40B4-BE49-F238E27FC236}">
+                <a16:creationId xmlns:a16="http://schemas.microsoft.com/office/drawing/2014/main" id="{A541B6E5-8C81-CBDB-C51C-6331AAB1634B}"/>
+              </a:ext>
+            </a:extLst>
+          </p:cNvPr>
+          <p:cNvSpPr>
+            <a:spLocks noGrp="1"/>
+          </p:cNvSpPr>
+          <p:nvPr>
+            <p:ph type="title"/>
+          </p:nvPr>
+        </p:nvSpPr>
+        <p:spPr/>
+        <p:txBody>
+          <a:bodyPr>
+            <a:normAutofit fontScale="90000"/>
+          </a:bodyPr>
+          <a:lstStyle/>
+          <a:p>
+            <a:r>
+              <a:rPr lang="en-US" dirty="0"/>
+              <a:t>Connect coArchi to Remote Repo</a:t>
+            </a:r>
+          </a:p>
+        </p:txBody>
+      </p:sp>
+      <p:sp>
+        <p:nvSpPr>
+          <p:cNvPr id="3" name="Content Placeholder 2">
+            <a:extLst>
+              <a:ext uri="{FF2B5EF4-FFF2-40B4-BE49-F238E27FC236}">
+                <a16:creationId xmlns:a16="http://schemas.microsoft.com/office/drawing/2014/main" id="{E4B9E5E1-DE75-4D06-9A54-A8ADE0B6989C}"/>
+              </a:ext>
+            </a:extLst>
+          </p:cNvPr>
+          <p:cNvSpPr>
+            <a:spLocks noGrp="1"/>
+          </p:cNvSpPr>
+          <p:nvPr>
+            <p:ph sz="quarter" idx="14"/>
+          </p:nvPr>
+        </p:nvSpPr>
+        <p:spPr>
+          <a:xfrm>
+            <a:off x="931863" y="1695450"/>
+            <a:ext cx="3400965" cy="4314825"/>
+          </a:xfrm>
+        </p:spPr>
+        <p:txBody>
+          <a:bodyPr/>
+          <a:lstStyle/>
+          <a:p>
+            <a:r>
+              <a:rPr lang="en-US" dirty="0"/>
+              <a:t>Gitblit local server</a:t>
+            </a:r>
+          </a:p>
+          <a:p>
+            <a:endParaRPr lang="en-US" dirty="0"/>
+          </a:p>
+          <a:p>
+            <a:endParaRPr lang="en-US" dirty="0"/>
+          </a:p>
+          <a:p>
+            <a:endParaRPr lang="en-US" dirty="0"/>
+          </a:p>
+          <a:p>
+            <a:endParaRPr lang="en-US" dirty="0"/>
+          </a:p>
+          <a:p>
+            <a:endParaRPr lang="en-US" dirty="0"/>
+          </a:p>
+          <a:p>
+            <a:r>
+              <a:rPr lang="en-US" dirty="0"/>
+              <a:t>Azure DevOps</a:t>
+            </a:r>
+          </a:p>
+        </p:txBody>
+      </p:sp>
+      <p:sp>
+        <p:nvSpPr>
+          <p:cNvPr id="4" name="Footer Placeholder 3">
+            <a:extLst>
+              <a:ext uri="{FF2B5EF4-FFF2-40B4-BE49-F238E27FC236}">
+                <a16:creationId xmlns:a16="http://schemas.microsoft.com/office/drawing/2014/main" id="{87104C49-755D-169D-F989-44D376385087}"/>
+              </a:ext>
+            </a:extLst>
+          </p:cNvPr>
+          <p:cNvSpPr>
+            <a:spLocks noGrp="1"/>
+          </p:cNvSpPr>
+          <p:nvPr>
+            <p:ph type="ftr" sz="quarter" idx="11"/>
+          </p:nvPr>
+        </p:nvSpPr>
+        <p:spPr/>
+        <p:txBody>
+          <a:bodyPr/>
+          <a:lstStyle/>
+          <a:p>
+            <a:r>
+              <a:rPr lang="en-US"/>
+              <a:t>Practice of Using Archi plug-in - coArchi</a:t>
+            </a:r>
+            <a:endParaRPr lang="en-US" dirty="0"/>
+          </a:p>
+        </p:txBody>
+      </p:sp>
+      <p:sp>
+        <p:nvSpPr>
+          <p:cNvPr id="5" name="Date Placeholder 4">
+            <a:extLst>
+              <a:ext uri="{FF2B5EF4-FFF2-40B4-BE49-F238E27FC236}">
+                <a16:creationId xmlns:a16="http://schemas.microsoft.com/office/drawing/2014/main" id="{167B8FAC-3FC9-2460-E6D9-324E76E715A4}"/>
+              </a:ext>
+            </a:extLst>
+          </p:cNvPr>
+          <p:cNvSpPr>
+            <a:spLocks noGrp="1"/>
+          </p:cNvSpPr>
+          <p:nvPr>
+            <p:ph type="dt" sz="half" idx="10"/>
+          </p:nvPr>
+        </p:nvSpPr>
+        <p:spPr/>
+        <p:txBody>
+          <a:bodyPr/>
+          <a:lstStyle/>
+          <a:p>
+            <a:pPr>
+              <a:defRPr/>
+            </a:pPr>
+            <a:r>
+              <a:rPr lang="en-US">
+                <a:solidFill>
+                  <a:prstClr val="black"/>
+                </a:solidFill>
+              </a:rPr>
+              <a:t>Feb., 2024</a:t>
+            </a:r>
+            <a:endParaRPr lang="en-US" dirty="0">
+              <a:solidFill>
+                <a:prstClr val="black"/>
+              </a:solidFill>
+            </a:endParaRPr>
+          </a:p>
+        </p:txBody>
+      </p:sp>
+      <p:sp>
+        <p:nvSpPr>
+          <p:cNvPr id="6" name="Slide Number Placeholder 5">
+            <a:extLst>
+              <a:ext uri="{FF2B5EF4-FFF2-40B4-BE49-F238E27FC236}">
+                <a16:creationId xmlns:a16="http://schemas.microsoft.com/office/drawing/2014/main" id="{663C0662-403F-8554-2D94-531A6FD4E339}"/>
+              </a:ext>
+            </a:extLst>
+          </p:cNvPr>
+          <p:cNvSpPr>
+            <a:spLocks noGrp="1"/>
+          </p:cNvSpPr>
+          <p:nvPr>
+            <p:ph type="sldNum" sz="quarter" idx="12"/>
+          </p:nvPr>
+        </p:nvSpPr>
+        <p:spPr/>
+        <p:txBody>
+          <a:bodyPr/>
+          <a:lstStyle/>
+          <a:p>
+            <a:pPr marL="0" marR="0" lvl="0" indent="0" algn="r" defTabSz="914400" rtl="0" eaLnBrk="1" fontAlgn="auto" latinLnBrk="0" hangingPunct="1">
+              <a:lnSpc>
+                <a:spcPct val="100000"/>
+              </a:lnSpc>
+              <a:spcBef>
+                <a:spcPts val="0"/>
+              </a:spcBef>
+              <a:spcAft>
+                <a:spcPts val="0"/>
+              </a:spcAft>
+              <a:buClrTx/>
+              <a:buSzTx/>
+              <a:buFontTx/>
+              <a:buNone/>
+              <a:tabLst/>
+              <a:defRPr/>
+            </a:pPr>
+            <a:fld id="{06B786C7-B8F9-4072-AAAA-17258464D730}" type="slidenum">
+              <a:rPr kumimoji="0" lang="en-US" sz="1050" b="0" i="0" u="none" strike="noStrike" kern="1200" cap="none" spc="0" normalizeH="0" baseline="0" noProof="0" smtClean="0">
+                <a:ln>
+                  <a:noFill/>
+                </a:ln>
+                <a:solidFill>
+                  <a:prstClr val="black"/>
+                </a:solidFill>
+                <a:effectLst/>
+                <a:uLnTx/>
+                <a:uFillTx/>
+                <a:latin typeface="Avenir Next LT Pro"/>
+                <a:ea typeface="+mn-ea"/>
+                <a:cs typeface="+mn-cs"/>
+              </a:rPr>
+              <a:pPr marL="0" marR="0" lvl="0" indent="0" algn="r" defTabSz="914400" rtl="0" eaLnBrk="1" fontAlgn="auto" latinLnBrk="0" hangingPunct="1">
+                <a:lnSpc>
+                  <a:spcPct val="100000"/>
+                </a:lnSpc>
+                <a:spcBef>
+                  <a:spcPts val="0"/>
+                </a:spcBef>
+                <a:spcAft>
+                  <a:spcPts val="0"/>
+                </a:spcAft>
+                <a:buClrTx/>
+                <a:buSzTx/>
+                <a:buFontTx/>
+                <a:buNone/>
+                <a:tabLst/>
+                <a:defRPr/>
+              </a:pPr>
+              <a:t>4</a:t>
+            </a:fld>
+            <a:endParaRPr kumimoji="0" lang="en-US" sz="1050" b="0" i="0" u="none" strike="noStrike" kern="1200" cap="none" spc="0" normalizeH="0" baseline="0" noProof="0" dirty="0">
+              <a:ln>
+                <a:noFill/>
+              </a:ln>
+              <a:solidFill>
+                <a:prstClr val="black"/>
+              </a:solidFill>
+              <a:effectLst/>
+              <a:uLnTx/>
+              <a:uFillTx/>
+              <a:latin typeface="Avenir Next LT Pro"/>
+              <a:ea typeface="+mn-ea"/>
+              <a:cs typeface="+mn-cs"/>
+            </a:endParaRPr>
+          </a:p>
+        </p:txBody>
+      </p:sp>
+      <p:pic>
+        <p:nvPicPr>
+          <p:cNvPr id="8" name="Picture 7">
+            <a:extLst>
+              <a:ext uri="{FF2B5EF4-FFF2-40B4-BE49-F238E27FC236}">
+                <a16:creationId xmlns:a16="http://schemas.microsoft.com/office/drawing/2014/main" id="{AC357D52-0970-9704-64C4-112DAD5252C0}"/>
+              </a:ext>
+            </a:extLst>
+          </p:cNvPr>
+          <p:cNvPicPr>
+            <a:picLocks noChangeAspect="1"/>
+          </p:cNvPicPr>
+          <p:nvPr/>
+        </p:nvPicPr>
+        <p:blipFill>
+          <a:blip r:embed="rId2"/>
+          <a:stretch>
+            <a:fillRect/>
+          </a:stretch>
+        </p:blipFill>
+        <p:spPr>
+          <a:xfrm>
+            <a:off x="1182049" y="2176256"/>
+            <a:ext cx="4719995" cy="2223243"/>
+          </a:xfrm>
+          <a:prstGeom prst="rect">
+            <a:avLst/>
+          </a:prstGeom>
+          <a:ln>
+            <a:noFill/>
+          </a:ln>
+          <a:effectLst>
+            <a:outerShdw blurRad="292100" dist="139700" dir="2700000" algn="tl" rotWithShape="0">
+              <a:srgbClr val="333333">
+                <a:alpha val="65000"/>
+              </a:srgbClr>
+            </a:outerShdw>
+          </a:effectLst>
+        </p:spPr>
+      </p:pic>
+      <p:pic>
+        <p:nvPicPr>
+          <p:cNvPr id="10" name="Picture 9">
+            <a:extLst>
+              <a:ext uri="{FF2B5EF4-FFF2-40B4-BE49-F238E27FC236}">
+                <a16:creationId xmlns:a16="http://schemas.microsoft.com/office/drawing/2014/main" id="{C0AD3277-C173-4002-3152-37CA4F9BFBC0}"/>
+              </a:ext>
+            </a:extLst>
+          </p:cNvPr>
+          <p:cNvPicPr>
+            <a:picLocks noChangeAspect="1"/>
+          </p:cNvPicPr>
+          <p:nvPr/>
+        </p:nvPicPr>
+        <p:blipFill>
+          <a:blip r:embed="rId3"/>
+          <a:stretch>
+            <a:fillRect/>
+          </a:stretch>
+        </p:blipFill>
+        <p:spPr>
+          <a:xfrm>
+            <a:off x="3987538" y="4705325"/>
+            <a:ext cx="7196278" cy="1567448"/>
+          </a:xfrm>
+          <a:prstGeom prst="rect">
+            <a:avLst/>
+          </a:prstGeom>
+          <a:ln>
+            <a:noFill/>
+          </a:ln>
+          <a:effectLst>
+            <a:outerShdw blurRad="292100" dist="139700" dir="2700000" algn="tl" rotWithShape="0">
+              <a:srgbClr val="333333">
+                <a:alpha val="65000"/>
+              </a:srgbClr>
+            </a:outerShdw>
+          </a:effectLst>
+        </p:spPr>
+      </p:pic>
+      <p:pic>
+        <p:nvPicPr>
+          <p:cNvPr id="12" name="Picture 11">
+            <a:extLst>
+              <a:ext uri="{FF2B5EF4-FFF2-40B4-BE49-F238E27FC236}">
+                <a16:creationId xmlns:a16="http://schemas.microsoft.com/office/drawing/2014/main" id="{F172C74E-7E9A-1F5F-537F-0ED772E3EFBC}"/>
+              </a:ext>
+            </a:extLst>
+          </p:cNvPr>
+          <p:cNvPicPr>
+            <a:picLocks noChangeAspect="1"/>
+          </p:cNvPicPr>
+          <p:nvPr/>
+        </p:nvPicPr>
+        <p:blipFill>
+          <a:blip r:embed="rId4"/>
+          <a:stretch>
+            <a:fillRect/>
+          </a:stretch>
+        </p:blipFill>
+        <p:spPr>
+          <a:xfrm>
+            <a:off x="6916977" y="2176255"/>
+            <a:ext cx="4266839" cy="2223243"/>
+          </a:xfrm>
+          <a:prstGeom prst="rect">
+            <a:avLst/>
+          </a:prstGeom>
+          <a:ln>
+            <a:noFill/>
+          </a:ln>
+          <a:effectLst>
+            <a:outerShdw blurRad="292100" dist="139700" dir="2700000" algn="tl" rotWithShape="0">
+              <a:srgbClr val="333333">
+                <a:alpha val="65000"/>
+              </a:srgbClr>
+            </a:outerShdw>
+          </a:effectLst>
+        </p:spPr>
+      </p:pic>
+      <p:sp>
+        <p:nvSpPr>
+          <p:cNvPr id="13" name="Content Placeholder 2">
+            <a:extLst>
+              <a:ext uri="{FF2B5EF4-FFF2-40B4-BE49-F238E27FC236}">
+                <a16:creationId xmlns:a16="http://schemas.microsoft.com/office/drawing/2014/main" id="{E496920B-E457-4AB7-D5DB-A54784E1DB55}"/>
+              </a:ext>
+            </a:extLst>
+          </p:cNvPr>
+          <p:cNvSpPr txBox="1">
+            <a:spLocks/>
+          </p:cNvSpPr>
+          <p:nvPr/>
+        </p:nvSpPr>
+        <p:spPr>
+          <a:xfrm>
+            <a:off x="6591627" y="1695449"/>
+            <a:ext cx="3400965" cy="4314825"/>
+          </a:xfrm>
+          <a:prstGeom prst="rect">
+            <a:avLst/>
+          </a:prstGeom>
+        </p:spPr>
+        <p:txBody>
+          <a:bodyPr vert="horz" lIns="91440" tIns="45720" rIns="91440" bIns="45720" rtlCol="0">
+            <a:normAutofit/>
+          </a:bodyPr>
+          <a:lstStyle>
+            <a:lvl1pPr marL="228600" indent="-228600" algn="l" defTabSz="914400" rtl="0" eaLnBrk="1" latinLnBrk="0" hangingPunct="1">
+              <a:lnSpc>
+                <a:spcPct val="110000"/>
+              </a:lnSpc>
+              <a:spcBef>
+                <a:spcPts val="1000"/>
+              </a:spcBef>
+              <a:buFont typeface="Arial" panose="020B0604020202020204" pitchFamily="34" charset="0"/>
+              <a:buChar char="•"/>
+              <a:defRPr sz="2400" kern="1200" spc="-20" baseline="0">
+                <a:solidFill>
+                  <a:schemeClr val="tx1"/>
+                </a:solidFill>
+                <a:latin typeface="+mn-lt"/>
+                <a:ea typeface="+mn-ea"/>
+                <a:cs typeface="+mn-cs"/>
+              </a:defRPr>
+            </a:lvl1pPr>
+            <a:lvl2pPr marL="685800" indent="-228600" algn="l" defTabSz="914400" rtl="0" eaLnBrk="1" latinLnBrk="0" hangingPunct="1">
+              <a:lnSpc>
+                <a:spcPct val="110000"/>
+              </a:lnSpc>
+              <a:spcBef>
+                <a:spcPts val="500"/>
+              </a:spcBef>
+              <a:buFont typeface="Arial" panose="020B0604020202020204" pitchFamily="34" charset="0"/>
+              <a:buChar char="•"/>
+              <a:defRPr sz="2000" kern="1200" spc="-20" baseline="0">
+                <a:solidFill>
+                  <a:schemeClr val="tx1"/>
+                </a:solidFill>
+                <a:latin typeface="+mn-lt"/>
+                <a:ea typeface="+mn-ea"/>
+                <a:cs typeface="+mn-cs"/>
+              </a:defRPr>
+            </a:lvl2pPr>
+            <a:lvl3pPr marL="1143000" indent="-228600" algn="l" defTabSz="914400" rtl="0" eaLnBrk="1" latinLnBrk="0" hangingPunct="1">
+              <a:lnSpc>
+                <a:spcPct val="110000"/>
+              </a:lnSpc>
+              <a:spcBef>
+                <a:spcPts val="500"/>
+              </a:spcBef>
+              <a:buFont typeface="Arial" panose="020B0604020202020204" pitchFamily="34" charset="0"/>
+              <a:buChar char="•"/>
+              <a:defRPr sz="1800" kern="1200" spc="-20" baseline="0">
+                <a:solidFill>
+                  <a:schemeClr val="tx1"/>
+                </a:solidFill>
+                <a:latin typeface="+mn-lt"/>
+                <a:ea typeface="+mn-ea"/>
+                <a:cs typeface="+mn-cs"/>
+              </a:defRPr>
+            </a:lvl3pPr>
+            <a:lvl4pPr marL="1600200" indent="-228600" algn="l" defTabSz="914400" rtl="0" eaLnBrk="1" latinLnBrk="0" hangingPunct="1">
+              <a:lnSpc>
+                <a:spcPct val="110000"/>
+              </a:lnSpc>
+              <a:spcBef>
+                <a:spcPts val="500"/>
+              </a:spcBef>
+              <a:buFont typeface="Arial" panose="020B0604020202020204" pitchFamily="34" charset="0"/>
+              <a:buChar char="•"/>
+              <a:defRPr sz="1600" kern="1200" spc="-20" baseline="0">
+                <a:solidFill>
+                  <a:schemeClr val="tx1"/>
+                </a:solidFill>
+                <a:latin typeface="+mn-lt"/>
+                <a:ea typeface="+mn-ea"/>
+                <a:cs typeface="+mn-cs"/>
+              </a:defRPr>
+            </a:lvl4pPr>
+            <a:lvl5pPr marL="2057400" indent="-228600" algn="l" defTabSz="914400" rtl="0" eaLnBrk="1" latinLnBrk="0" hangingPunct="1">
+              <a:lnSpc>
+                <a:spcPct val="110000"/>
+              </a:lnSpc>
+              <a:spcBef>
+                <a:spcPts val="500"/>
+              </a:spcBef>
+              <a:buFont typeface="Arial" panose="020B0604020202020204" pitchFamily="34" charset="0"/>
+              <a:buChar char="•"/>
+              <a:defRPr sz="1600" kern="1200" spc="-20" baseline="0">
+                <a:solidFill>
+                  <a:schemeClr val="tx1"/>
+                </a:solidFill>
+                <a:latin typeface="+mn-lt"/>
+                <a:ea typeface="+mn-ea"/>
+                <a:cs typeface="+mn-cs"/>
+              </a:defRPr>
+            </a:lvl5pPr>
+            <a:lvl6pPr marL="2514600" indent="-228600" algn="l" defTabSz="914400" rtl="0" eaLnBrk="1" latinLnBrk="0" hangingPunct="1">
+              <a:lnSpc>
+                <a:spcPct val="90000"/>
+              </a:lnSpc>
+              <a:spcBef>
+                <a:spcPts val="500"/>
+              </a:spcBef>
+              <a:buFont typeface="Arial" panose="020B0604020202020204" pitchFamily="34" charset="0"/>
+              <a:buChar char="•"/>
+              <a:defRPr sz="1800" kern="1200">
+                <a:solidFill>
+                  <a:schemeClr val="tx1"/>
+                </a:solidFill>
+                <a:latin typeface="+mn-lt"/>
+                <a:ea typeface="+mn-ea"/>
+                <a:cs typeface="+mn-cs"/>
+              </a:defRPr>
+            </a:lvl6pPr>
+            <a:lvl7pPr marL="2971800" indent="-228600" algn="l" defTabSz="914400" rtl="0" eaLnBrk="1" latinLnBrk="0" hangingPunct="1">
+              <a:lnSpc>
+                <a:spcPct val="90000"/>
+              </a:lnSpc>
+              <a:spcBef>
+                <a:spcPts val="500"/>
+              </a:spcBef>
+              <a:buFont typeface="Arial" panose="020B0604020202020204" pitchFamily="34" charset="0"/>
+              <a:buChar char="•"/>
+              <a:defRPr sz="1800" kern="1200">
+                <a:solidFill>
+                  <a:schemeClr val="tx1"/>
+                </a:solidFill>
+                <a:latin typeface="+mn-lt"/>
+                <a:ea typeface="+mn-ea"/>
+                <a:cs typeface="+mn-cs"/>
+              </a:defRPr>
+            </a:lvl7pPr>
+            <a:lvl8pPr marL="3429000" indent="-228600" algn="l" defTabSz="914400" rtl="0" eaLnBrk="1" latinLnBrk="0" hangingPunct="1">
+              <a:lnSpc>
+                <a:spcPct val="90000"/>
+              </a:lnSpc>
+              <a:spcBef>
+                <a:spcPts val="500"/>
+              </a:spcBef>
+              <a:buFont typeface="Arial" panose="020B0604020202020204" pitchFamily="34" charset="0"/>
+              <a:buChar char="•"/>
+              <a:defRPr sz="1800" kern="1200">
+                <a:solidFill>
+                  <a:schemeClr val="tx1"/>
+                </a:solidFill>
+                <a:latin typeface="+mn-lt"/>
+                <a:ea typeface="+mn-ea"/>
+                <a:cs typeface="+mn-cs"/>
+              </a:defRPr>
+            </a:lvl8pPr>
+            <a:lvl9pPr marL="3886200" indent="-228600" algn="l" defTabSz="914400" rtl="0" eaLnBrk="1" latinLnBrk="0" hangingPunct="1">
+              <a:lnSpc>
+                <a:spcPct val="90000"/>
+              </a:lnSpc>
+              <a:spcBef>
+                <a:spcPts val="500"/>
+              </a:spcBef>
+              <a:buFont typeface="Arial" panose="020B0604020202020204" pitchFamily="34" charset="0"/>
+              <a:buChar char="•"/>
+              <a:defRPr sz="1800" kern="1200">
+                <a:solidFill>
+                  <a:schemeClr val="tx1"/>
+                </a:solidFill>
+                <a:latin typeface="+mn-lt"/>
+                <a:ea typeface="+mn-ea"/>
+                <a:cs typeface="+mn-cs"/>
+              </a:defRPr>
+            </a:lvl9pPr>
+          </a:lstStyle>
+          <a:p>
+            <a:r>
+              <a:rPr lang="en-US" dirty="0"/>
+              <a:t>GitHub</a:t>
+            </a:r>
+          </a:p>
+        </p:txBody>
+      </p:sp>
+    </p:spTree>
+    <p:extLst>
+      <p:ext uri="{BB962C8B-B14F-4D97-AF65-F5344CB8AC3E}">
+        <p14:creationId xmlns:p14="http://schemas.microsoft.com/office/powerpoint/2010/main" val="3825145434"/>
+      </p:ext>
+    </p:extLst>
+  </p:cSld>
+  <p:clrMapOvr>
+    <a:masterClrMapping/>
+  </p:clrMapOvr>
+</p:sld>
+</file>
+
 <file path=ppt/slides/slide5.xml><?xml version="1.0" encoding="utf-8"?>
 <p:sld xmlns:a="http://schemas.openxmlformats.org/drawingml/2006/main" xmlns:r="http://schemas.openxmlformats.org/officeDocument/2006/relationships" xmlns:p="http://schemas.openxmlformats.org/presentationml/2006/main">
   <p:cSld>
@@ -7942,8 +8269,8 @@
         </p:nvSpPr>
         <p:spPr>
           <a:xfrm>
-            <a:off x="8998880" y="3562086"/>
-            <a:ext cx="2303259" cy="707886"/>
+            <a:off x="8310615" y="3562086"/>
+            <a:ext cx="3679790" cy="1107996"/>
           </a:xfrm>
           <a:prstGeom prst="rect">
             <a:avLst/>
@@ -7958,18 +8285,13 @@
           <a:p>
             <a:pPr algn="ctr"/>
             <a:r>
-              <a:rPr lang="en-US" sz="4000" b="1">
+              <a:rPr lang="en-US" sz="6600" b="1" dirty="0">
                 <a:solidFill>
                   <a:schemeClr val="bg1"/>
                 </a:solidFill>
               </a:rPr>
               <a:t>Part Two</a:t>
             </a:r>
-            <a:endParaRPr lang="en-US" sz="4000" b="1" dirty="0">
-              <a:solidFill>
-                <a:schemeClr val="bg1"/>
-              </a:solidFill>
-            </a:endParaRPr>
           </a:p>
         </p:txBody>
       </p:sp>
@@ -10154,34 +10476,6 @@
 </file>
 
 <file path=customXml/item1.xml><?xml version="1.0" encoding="utf-8"?>
-<p:properties xmlns:p="http://schemas.microsoft.com/office/2006/metadata/properties" xmlns:xsi="http://www.w3.org/2001/XMLSchema-instance" xmlns:pc="http://schemas.microsoft.com/office/infopath/2007/PartnerControls">
-  <documentManagement>
-    <Status xmlns="71af3243-3dd4-4a8d-8c0d-dd76da1f02a5">Not started</Status>
-    <_ip_UnifiedCompliancePolicyUIAction xmlns="http://schemas.microsoft.com/sharepoint/v3" xsi:nil="true"/>
-    <Image xmlns="71af3243-3dd4-4a8d-8c0d-dd76da1f02a5">
-      <Url xsi:nil="true"/>
-      <Description xsi:nil="true"/>
-    </Image>
-    <_ip_UnifiedCompliancePolicyProperties xmlns="http://schemas.microsoft.com/sharepoint/v3" xsi:nil="true"/>
-    <ImageTagsTaxHTField xmlns="71af3243-3dd4-4a8d-8c0d-dd76da1f02a5">
-      <Terms xmlns="http://schemas.microsoft.com/office/infopath/2007/PartnerControls"/>
-    </ImageTagsTaxHTField>
-    <TaxCatchAll xmlns="230e9df3-be65-4c73-a93b-d1236ebd677e"/>
-    <MediaServiceKeyPoints xmlns="71af3243-3dd4-4a8d-8c0d-dd76da1f02a5" xsi:nil="true"/>
-  </documentManagement>
-</p:properties>
-</file>
-
-<file path=customXml/item2.xml><?xml version="1.0" encoding="utf-8"?>
-<?mso-contentType ?>
-<FormTemplates xmlns="http://schemas.microsoft.com/sharepoint/v3/contenttype/forms">
-  <Display>DocumentLibraryForm</Display>
-  <Edit>DocumentLibraryForm</Edit>
-  <New>DocumentLibraryForm</New>
-</FormTemplates>
-</file>
-
-<file path=customXml/item3.xml><?xml version="1.0" encoding="utf-8"?>
 <ct:contentTypeSchema xmlns:ct="http://schemas.microsoft.com/office/2006/metadata/contentType" xmlns:ma="http://schemas.microsoft.com/office/2006/metadata/properties/metaAttributes" ct:_="" ma:_="" ma:contentTypeName="Document" ma:contentTypeID="0x01010079F111ED35F8CC479449609E8A0923A6" ma:contentTypeVersion="20" ma:contentTypeDescription="Create a new document." ma:contentTypeScope="" ma:versionID="1267097ee5f5874adfcc408041ae252e">
   <xsd:schema xmlns:xsd="http://www.w3.org/2001/XMLSchema" xmlns:xs="http://www.w3.org/2001/XMLSchema" xmlns:p="http://schemas.microsoft.com/office/2006/metadata/properties" xmlns:ns1="http://schemas.microsoft.com/sharepoint/v3" xmlns:ns2="71af3243-3dd4-4a8d-8c0d-dd76da1f02a5" xmlns:ns3="16c05727-aa75-4e4a-9b5f-8a80a1165891" xmlns:ns4="230e9df3-be65-4c73-a93b-d1236ebd677e" targetNamespace="http://schemas.microsoft.com/office/2006/metadata/properties" ma:root="true" ma:fieldsID="395891a93df65b14727750f2c06c306c" ns1:_="" ns2:_="" ns3:_="" ns4:_="">
     <xsd:import namespace="http://schemas.microsoft.com/sharepoint/v3"/>
@@ -10457,27 +10751,35 @@
 </ct:contentTypeSchema>
 </file>
 
-<file path=customXml/itemProps1.xml><?xml version="1.0" encoding="utf-8"?>
-<ds:datastoreItem xmlns:ds="http://schemas.openxmlformats.org/officeDocument/2006/customXml" ds:itemID="{08757C30-AE9A-4680-90EB-19D282EC2B7C}">
-  <ds:schemaRefs>
-    <ds:schemaRef ds:uri="http://schemas.microsoft.com/office/2006/metadata/properties"/>
-    <ds:schemaRef ds:uri="http://schemas.microsoft.com/office/infopath/2007/PartnerControls"/>
-    <ds:schemaRef ds:uri="71af3243-3dd4-4a8d-8c0d-dd76da1f02a5"/>
-    <ds:schemaRef ds:uri="http://schemas.microsoft.com/sharepoint/v3"/>
-    <ds:schemaRef ds:uri="230e9df3-be65-4c73-a93b-d1236ebd677e"/>
-  </ds:schemaRefs>
-</ds:datastoreItem>
+<file path=customXml/item2.xml><?xml version="1.0" encoding="utf-8"?>
+<?mso-contentType ?>
+<FormTemplates xmlns="http://schemas.microsoft.com/sharepoint/v3/contenttype/forms">
+  <Display>DocumentLibraryForm</Display>
+  <Edit>DocumentLibraryForm</Edit>
+  <New>DocumentLibraryForm</New>
+</FormTemplates>
 </file>
 
-<file path=customXml/itemProps2.xml><?xml version="1.0" encoding="utf-8"?>
-<ds:datastoreItem xmlns:ds="http://schemas.openxmlformats.org/officeDocument/2006/customXml" ds:itemID="{A5CCB28C-7D26-4A36-9CFC-D739C28F3D18}">
-  <ds:schemaRefs>
-    <ds:schemaRef ds:uri="http://schemas.microsoft.com/sharepoint/v3/contenttype/forms"/>
-  </ds:schemaRefs>
-</ds:datastoreItem>
+<file path=customXml/item3.xml><?xml version="1.0" encoding="utf-8"?>
+<p:properties xmlns:p="http://schemas.microsoft.com/office/2006/metadata/properties" xmlns:xsi="http://www.w3.org/2001/XMLSchema-instance" xmlns:pc="http://schemas.microsoft.com/office/infopath/2007/PartnerControls">
+  <documentManagement>
+    <Status xmlns="71af3243-3dd4-4a8d-8c0d-dd76da1f02a5">Not started</Status>
+    <_ip_UnifiedCompliancePolicyUIAction xmlns="http://schemas.microsoft.com/sharepoint/v3" xsi:nil="true"/>
+    <Image xmlns="71af3243-3dd4-4a8d-8c0d-dd76da1f02a5">
+      <Url xsi:nil="true"/>
+      <Description xsi:nil="true"/>
+    </Image>
+    <_ip_UnifiedCompliancePolicyProperties xmlns="http://schemas.microsoft.com/sharepoint/v3" xsi:nil="true"/>
+    <ImageTagsTaxHTField xmlns="71af3243-3dd4-4a8d-8c0d-dd76da1f02a5">
+      <Terms xmlns="http://schemas.microsoft.com/office/infopath/2007/PartnerControls"/>
+    </ImageTagsTaxHTField>
+    <TaxCatchAll xmlns="230e9df3-be65-4c73-a93b-d1236ebd677e"/>
+    <MediaServiceKeyPoints xmlns="71af3243-3dd4-4a8d-8c0d-dd76da1f02a5" xsi:nil="true"/>
+  </documentManagement>
+</p:properties>
 </file>
 
-<file path=customXml/itemProps3.xml><?xml version="1.0" encoding="utf-8"?>
+<file path=customXml/itemProps1.xml><?xml version="1.0" encoding="utf-8"?>
 <ds:datastoreItem xmlns:ds="http://schemas.openxmlformats.org/officeDocument/2006/customXml" ds:itemID="{0AF0BF08-C674-44E3-8BFC-85BC65E095F1}">
   <ds:schemaRefs>
     <ds:schemaRef ds:uri="http://schemas.microsoft.com/office/2006/metadata/contentType"/>
@@ -10498,6 +10800,26 @@
 </ds:datastoreItem>
 </file>
 
+<file path=customXml/itemProps2.xml><?xml version="1.0" encoding="utf-8"?>
+<ds:datastoreItem xmlns:ds="http://schemas.openxmlformats.org/officeDocument/2006/customXml" ds:itemID="{A5CCB28C-7D26-4A36-9CFC-D739C28F3D18}">
+  <ds:schemaRefs>
+    <ds:schemaRef ds:uri="http://schemas.microsoft.com/sharepoint/v3/contenttype/forms"/>
+  </ds:schemaRefs>
+</ds:datastoreItem>
+</file>
+
+<file path=customXml/itemProps3.xml><?xml version="1.0" encoding="utf-8"?>
+<ds:datastoreItem xmlns:ds="http://schemas.openxmlformats.org/officeDocument/2006/customXml" ds:itemID="{08757C30-AE9A-4680-90EB-19D282EC2B7C}">
+  <ds:schemaRefs>
+    <ds:schemaRef ds:uri="http://schemas.microsoft.com/office/2006/metadata/properties"/>
+    <ds:schemaRef ds:uri="http://schemas.microsoft.com/office/infopath/2007/PartnerControls"/>
+    <ds:schemaRef ds:uri="71af3243-3dd4-4a8d-8c0d-dd76da1f02a5"/>
+    <ds:schemaRef ds:uri="http://schemas.microsoft.com/sharepoint/v3"/>
+    <ds:schemaRef ds:uri="230e9df3-be65-4c73-a93b-d1236ebd677e"/>
+  </ds:schemaRefs>
+</ds:datastoreItem>
+</file>
+
 <file path=docMetadata/LabelInfo.xml><?xml version="1.0" encoding="utf-8"?>
 <clbl:labelList xmlns:clbl="http://schemas.microsoft.com/office/2020/mipLabelMetadata">
   <clbl:label id="{f42aa342-8706-4288-bd11-ebb85995028c}" enabled="1" method="Standard" siteId="{72f988bf-86f1-41af-91ab-2d7cd011db47}" contentBits="0" removed="0"/>
